--- a/Plan van Aanpak/Corporate_presentation_online.pptx
+++ b/Plan van Aanpak/Corporate_presentation_online.pptx
@@ -5,23 +5,24 @@
     <p:sldMasterId id="2147483649" r:id="rId1"/>
   </p:sldMasterIdLst>
   <p:notesMasterIdLst>
-    <p:notesMasterId r:id="rId13"/>
+    <p:notesMasterId r:id="rId14"/>
   </p:notesMasterIdLst>
   <p:handoutMasterIdLst>
-    <p:handoutMasterId r:id="rId14"/>
+    <p:handoutMasterId r:id="rId15"/>
   </p:handoutMasterIdLst>
   <p:sldIdLst>
     <p:sldId id="377" r:id="rId2"/>
     <p:sldId id="378" r:id="rId3"/>
     <p:sldId id="379" r:id="rId4"/>
-    <p:sldId id="380" r:id="rId5"/>
-    <p:sldId id="381" r:id="rId6"/>
-    <p:sldId id="382" r:id="rId7"/>
-    <p:sldId id="383" r:id="rId8"/>
-    <p:sldId id="384" r:id="rId9"/>
-    <p:sldId id="385" r:id="rId10"/>
-    <p:sldId id="386" r:id="rId11"/>
-    <p:sldId id="387" r:id="rId12"/>
+    <p:sldId id="388" r:id="rId5"/>
+    <p:sldId id="380" r:id="rId6"/>
+    <p:sldId id="381" r:id="rId7"/>
+    <p:sldId id="382" r:id="rId8"/>
+    <p:sldId id="383" r:id="rId9"/>
+    <p:sldId id="384" r:id="rId10"/>
+    <p:sldId id="385" r:id="rId11"/>
+    <p:sldId id="386" r:id="rId12"/>
+    <p:sldId id="387" r:id="rId13"/>
   </p:sldIdLst>
   <p:sldSz cx="9144000" cy="6858000" type="screen4x3"/>
   <p:notesSz cx="6794500" cy="9931400"/>
@@ -150,6 +151,27 @@
       </a:defRPr>
     </a:lvl9pPr>
   </p:defaultTextStyle>
+  <p:extLst>
+    <p:ext uri="{EFAFB233-063F-42B5-8137-9DF3F51BA10A}">
+      <p15:sldGuideLst xmlns:p15="http://schemas.microsoft.com/office/powerpoint/2012/main">
+        <p15:guide id="1" orient="horz" pos="1296">
+          <p15:clr>
+            <a:srgbClr val="A4A3A4"/>
+          </p15:clr>
+        </p15:guide>
+        <p15:guide id="2" pos="2901">
+          <p15:clr>
+            <a:srgbClr val="A4A3A4"/>
+          </p15:clr>
+        </p15:guide>
+        <p15:guide id="3" pos="576">
+          <p15:clr>
+            <a:srgbClr val="A4A3A4"/>
+          </p15:clr>
+        </p15:guide>
+      </p15:sldGuideLst>
+    </p:ext>
+  </p:extLst>
 </p:presentation>
 </file>
 
@@ -279,7 +301,7 @@
               <a:pPr>
                 <a:defRPr/>
               </a:pPr>
-              <a:t>11/27/2014</a:t>
+              <a:t>11/30/2014</a:t>
             </a:fld>
             <a:endParaRPr lang="en-US" altLang="nl-NL"/>
           </a:p>
@@ -386,7 +408,7 @@
               <a:pPr>
                 <a:defRPr/>
               </a:pPr>
-              <a:t>‹#›</a:t>
+              <a:t>‹nr.›</a:t>
             </a:fld>
             <a:endParaRPr lang="en-US" altLang="nl-NL"/>
           </a:p>
@@ -733,7 +755,7 @@
               <a:pPr>
                 <a:defRPr/>
               </a:pPr>
-              <a:t>‹#›</a:t>
+              <a:t>‹nr.›</a:t>
             </a:fld>
             <a:endParaRPr lang="en-US" altLang="nl-NL"/>
           </a:p>
@@ -4152,7 +4174,7 @@
               <a:pPr algn="r" eaLnBrk="1" hangingPunct="1">
                 <a:defRPr/>
               </a:pPr>
-              <a:t>‹#›</a:t>
+              <a:t>‹nr.›</a:t>
             </a:fld>
             <a:endParaRPr lang="nl-NL" altLang="nl-NL" sz="1100" smtClean="0">
               <a:ea typeface="ＭＳ Ｐゴシック" charset="-128"/>
@@ -5077,9 +5099,6 @@
               </a:rPr>
               <a:t> Project</a:t>
             </a:r>
-            <a:endParaRPr lang="en-US" altLang="nl-NL" dirty="0" smtClean="0">
-              <a:latin typeface="+mn-lt"/>
-            </a:endParaRPr>
           </a:p>
         </p:txBody>
       </p:sp>
@@ -5154,7 +5173,7 @@
         <p:spPr>
           <a:xfrm>
             <a:off x="327477" y="4144465"/>
-            <a:ext cx="7595284" cy="830997"/>
+            <a:ext cx="7595284" cy="1200329"/>
           </a:xfrm>
           <a:prstGeom prst="rect">
             <a:avLst/>
@@ -5168,12 +5187,22 @@
           <a:lstStyle/>
           <a:p>
             <a:r>
+              <a:rPr lang="en-GB" dirty="0" smtClean="0"/>
+              <a:t>A1:</a:t>
+            </a:r>
+          </a:p>
+          <a:p>
+            <a:r>
               <a:rPr lang="en-GB" dirty="0" err="1" smtClean="0"/>
               <a:t>Jeroen</a:t>
             </a:r>
             <a:r>
               <a:rPr lang="en-GB" dirty="0" smtClean="0"/>
-              <a:t> van </a:t>
+              <a:t> </a:t>
+            </a:r>
+            <a:r>
+              <a:rPr lang="en-GB" dirty="0" smtClean="0"/>
+              <a:t>van </a:t>
             </a:r>
             <a:r>
               <a:rPr lang="en-GB" dirty="0" err="1" smtClean="0"/>
@@ -5246,6 +5275,13 @@
   <p:clrMapOvr>
     <a:masterClrMapping/>
   </p:clrMapOvr>
+  <p:timing>
+    <p:tnLst>
+      <p:par>
+        <p:cTn id="1" dur="indefinite" restart="never" nodeType="tmRoot"/>
+      </p:par>
+    </p:tnLst>
+  </p:timing>
 </p:sld>
 </file>
 
@@ -5290,11 +5326,11 @@
               <a:defRPr/>
             </a:pPr>
             <a:r>
-              <a:rPr lang="en-GB" altLang="nl-NL" dirty="0" err="1" smtClean="0">
+              <a:rPr lang="en-GB" altLang="nl-NL" dirty="0" smtClean="0">
                 <a:latin typeface="+mn-lt"/>
                 <a:ea typeface="ＭＳ Ｐゴシック" pitchFamily="34" charset="-128"/>
               </a:rPr>
-              <a:t>Risico’s</a:t>
+              <a:t>Planning</a:t>
             </a:r>
             <a:endParaRPr lang="nl-NL" altLang="nl-NL" dirty="0" smtClean="0">
               <a:latin typeface="+mn-lt"/>
@@ -5490,13 +5526,20 @@
     </p:spTree>
     <p:extLst>
       <p:ext uri="{BB962C8B-B14F-4D97-AF65-F5344CB8AC3E}">
-        <p14:creationId xmlns:p14="http://schemas.microsoft.com/office/powerpoint/2010/main" val="2383956984"/>
+        <p14:creationId xmlns:p14="http://schemas.microsoft.com/office/powerpoint/2010/main" val="932895793"/>
       </p:ext>
     </p:extLst>
   </p:cSld>
   <p:clrMapOvr>
     <a:masterClrMapping/>
   </p:clrMapOvr>
+  <p:timing>
+    <p:tnLst>
+      <p:par>
+        <p:cTn id="1" dur="indefinite" restart="never" nodeType="tmRoot"/>
+      </p:par>
+    </p:tnLst>
+  </p:timing>
 </p:sld>
 </file>
 
@@ -5545,7 +5588,7 @@
                 <a:latin typeface="+mn-lt"/>
                 <a:ea typeface="ＭＳ Ｐゴシック" pitchFamily="34" charset="-128"/>
               </a:rPr>
-              <a:t>Literatuurlijst</a:t>
+              <a:t>Risico’s</a:t>
             </a:r>
             <a:endParaRPr lang="nl-NL" altLang="nl-NL" dirty="0" smtClean="0">
               <a:latin typeface="+mn-lt"/>
@@ -5741,6 +5784,264 @@
     </p:spTree>
     <p:extLst>
       <p:ext uri="{BB962C8B-B14F-4D97-AF65-F5344CB8AC3E}">
+        <p14:creationId xmlns:p14="http://schemas.microsoft.com/office/powerpoint/2010/main" val="2383956984"/>
+      </p:ext>
+    </p:extLst>
+  </p:cSld>
+  <p:clrMapOvr>
+    <a:masterClrMapping/>
+  </p:clrMapOvr>
+  <p:timing>
+    <p:tnLst>
+      <p:par>
+        <p:cTn id="1" dur="indefinite" restart="never" nodeType="tmRoot"/>
+      </p:par>
+    </p:tnLst>
+  </p:timing>
+</p:sld>
+</file>
+
+<file path=ppt/slides/slide12.xml><?xml version="1.0" encoding="utf-8"?>
+<p:sld xmlns:a="http://schemas.openxmlformats.org/drawingml/2006/main" xmlns:r="http://schemas.openxmlformats.org/officeDocument/2006/relationships" xmlns:p="http://schemas.openxmlformats.org/presentationml/2006/main">
+  <p:cSld>
+    <p:spTree>
+      <p:nvGrpSpPr>
+        <p:cNvPr id="1" name=""/>
+        <p:cNvGrpSpPr/>
+        <p:nvPr/>
+      </p:nvGrpSpPr>
+      <p:grpSpPr>
+        <a:xfrm>
+          <a:off x="0" y="0"/>
+          <a:ext cx="0" cy="0"/>
+          <a:chOff x="0" y="0"/>
+          <a:chExt cx="0" cy="0"/>
+        </a:xfrm>
+      </p:grpSpPr>
+      <p:sp>
+        <p:nvSpPr>
+          <p:cNvPr id="4098" name="Title 3"/>
+          <p:cNvSpPr>
+            <a:spLocks noGrp="1"/>
+          </p:cNvSpPr>
+          <p:nvPr>
+            <p:ph type="title"/>
+          </p:nvPr>
+        </p:nvSpPr>
+        <p:spPr>
+          <a:xfrm>
+            <a:off x="917575" y="457200"/>
+            <a:ext cx="7159625" cy="627063"/>
+          </a:xfrm>
+        </p:spPr>
+        <p:txBody>
+          <a:bodyPr/>
+          <a:lstStyle/>
+          <a:p>
+            <a:pPr>
+              <a:defRPr/>
+            </a:pPr>
+            <a:r>
+              <a:rPr lang="en-GB" altLang="nl-NL" dirty="0" err="1" smtClean="0">
+                <a:latin typeface="+mn-lt"/>
+                <a:ea typeface="ＭＳ Ｐゴシック" pitchFamily="34" charset="-128"/>
+              </a:rPr>
+              <a:t>Literatuurlijst</a:t>
+            </a:r>
+            <a:endParaRPr lang="nl-NL" altLang="nl-NL" dirty="0" smtClean="0">
+              <a:latin typeface="+mn-lt"/>
+              <a:ea typeface="ＭＳ Ｐゴシック" pitchFamily="34" charset="-128"/>
+            </a:endParaRPr>
+          </a:p>
+        </p:txBody>
+      </p:sp>
+      <p:sp>
+        <p:nvSpPr>
+          <p:cNvPr id="4099" name="Content Placeholder 4"/>
+          <p:cNvSpPr>
+            <a:spLocks noGrp="1"/>
+          </p:cNvSpPr>
+          <p:nvPr>
+            <p:ph idx="1"/>
+          </p:nvPr>
+        </p:nvSpPr>
+        <p:spPr/>
+        <p:txBody>
+          <a:bodyPr/>
+          <a:lstStyle/>
+          <a:p>
+            <a:endParaRPr lang="nl-NL" altLang="nl-NL" smtClean="0">
+              <a:ea typeface="ＭＳ Ｐゴシック" pitchFamily="34" charset="-128"/>
+            </a:endParaRPr>
+          </a:p>
+        </p:txBody>
+      </p:sp>
+      <p:sp>
+        <p:nvSpPr>
+          <p:cNvPr id="6" name="Ondertitel 2"/>
+          <p:cNvSpPr txBox="1">
+            <a:spLocks/>
+          </p:cNvSpPr>
+          <p:nvPr/>
+        </p:nvSpPr>
+        <p:spPr bwMode="auto">
+          <a:xfrm>
+            <a:off x="914400" y="1041400"/>
+            <a:ext cx="6781800" cy="474663"/>
+          </a:xfrm>
+          <a:prstGeom prst="rect">
+            <a:avLst/>
+          </a:prstGeom>
+          <a:noFill/>
+          <a:ln w="9525">
+            <a:noFill/>
+            <a:miter lim="800000"/>
+            <a:headEnd/>
+            <a:tailEnd/>
+          </a:ln>
+        </p:spPr>
+        <p:txBody>
+          <a:bodyPr lIns="0" tIns="0" rIns="0" bIns="0"/>
+          <a:lstStyle>
+            <a:lvl1pPr eaLnBrk="0" hangingPunct="0">
+              <a:defRPr sz="2400">
+                <a:solidFill>
+                  <a:schemeClr val="tx1"/>
+                </a:solidFill>
+                <a:latin typeface="Tahoma" charset="0"/>
+                <a:cs typeface="Arial" charset="0"/>
+              </a:defRPr>
+            </a:lvl1pPr>
+            <a:lvl2pPr marL="37931725" indent="-37474525" eaLnBrk="0" hangingPunct="0">
+              <a:defRPr sz="2400">
+                <a:solidFill>
+                  <a:schemeClr val="tx1"/>
+                </a:solidFill>
+                <a:latin typeface="Tahoma" charset="0"/>
+                <a:cs typeface="Arial" charset="0"/>
+              </a:defRPr>
+            </a:lvl2pPr>
+            <a:lvl3pPr eaLnBrk="0" hangingPunct="0">
+              <a:defRPr sz="2400">
+                <a:solidFill>
+                  <a:schemeClr val="tx1"/>
+                </a:solidFill>
+                <a:latin typeface="Tahoma" charset="0"/>
+                <a:cs typeface="Arial" charset="0"/>
+              </a:defRPr>
+            </a:lvl3pPr>
+            <a:lvl4pPr eaLnBrk="0" hangingPunct="0">
+              <a:defRPr sz="2400">
+                <a:solidFill>
+                  <a:schemeClr val="tx1"/>
+                </a:solidFill>
+                <a:latin typeface="Tahoma" charset="0"/>
+                <a:cs typeface="Arial" charset="0"/>
+              </a:defRPr>
+            </a:lvl4pPr>
+            <a:lvl5pPr eaLnBrk="0" hangingPunct="0">
+              <a:defRPr sz="2400">
+                <a:solidFill>
+                  <a:schemeClr val="tx1"/>
+                </a:solidFill>
+                <a:latin typeface="Tahoma" charset="0"/>
+                <a:cs typeface="Arial" charset="0"/>
+              </a:defRPr>
+            </a:lvl5pPr>
+            <a:lvl6pPr marL="457200" eaLnBrk="0" fontAlgn="base" hangingPunct="0">
+              <a:spcBef>
+                <a:spcPct val="0"/>
+              </a:spcBef>
+              <a:spcAft>
+                <a:spcPct val="0"/>
+              </a:spcAft>
+              <a:defRPr sz="2400">
+                <a:solidFill>
+                  <a:schemeClr val="tx1"/>
+                </a:solidFill>
+                <a:latin typeface="Tahoma" charset="0"/>
+                <a:cs typeface="Arial" charset="0"/>
+              </a:defRPr>
+            </a:lvl6pPr>
+            <a:lvl7pPr marL="914400" eaLnBrk="0" fontAlgn="base" hangingPunct="0">
+              <a:spcBef>
+                <a:spcPct val="0"/>
+              </a:spcBef>
+              <a:spcAft>
+                <a:spcPct val="0"/>
+              </a:spcAft>
+              <a:defRPr sz="2400">
+                <a:solidFill>
+                  <a:schemeClr val="tx1"/>
+                </a:solidFill>
+                <a:latin typeface="Tahoma" charset="0"/>
+                <a:cs typeface="Arial" charset="0"/>
+              </a:defRPr>
+            </a:lvl7pPr>
+            <a:lvl8pPr marL="1371600" eaLnBrk="0" fontAlgn="base" hangingPunct="0">
+              <a:spcBef>
+                <a:spcPct val="0"/>
+              </a:spcBef>
+              <a:spcAft>
+                <a:spcPct val="0"/>
+              </a:spcAft>
+              <a:defRPr sz="2400">
+                <a:solidFill>
+                  <a:schemeClr val="tx1"/>
+                </a:solidFill>
+                <a:latin typeface="Tahoma" charset="0"/>
+                <a:cs typeface="Arial" charset="0"/>
+              </a:defRPr>
+            </a:lvl8pPr>
+            <a:lvl9pPr marL="1828800" eaLnBrk="0" fontAlgn="base" hangingPunct="0">
+              <a:spcBef>
+                <a:spcPct val="0"/>
+              </a:spcBef>
+              <a:spcAft>
+                <a:spcPct val="0"/>
+              </a:spcAft>
+              <a:defRPr sz="2400">
+                <a:solidFill>
+                  <a:schemeClr val="tx1"/>
+                </a:solidFill>
+                <a:latin typeface="Tahoma" charset="0"/>
+                <a:cs typeface="Arial" charset="0"/>
+              </a:defRPr>
+            </a:lvl9pPr>
+          </a:lstStyle>
+          <a:p>
+            <a:pPr algn="l">
+              <a:lnSpc>
+                <a:spcPts val="2500"/>
+              </a:lnSpc>
+              <a:buClr>
+                <a:srgbClr val="00A6D6"/>
+              </a:buClr>
+              <a:defRPr/>
+            </a:pPr>
+            <a:r>
+              <a:rPr lang="nl-NL" altLang="nl-NL" sz="2000" dirty="0" err="1" smtClean="0">
+                <a:solidFill>
+                  <a:srgbClr val="00A6D6"/>
+                </a:solidFill>
+                <a:latin typeface="+mn-lt"/>
+                <a:ea typeface="ＭＳ Ｐゴシック" charset="-128"/>
+              </a:rPr>
+              <a:t>Subtitle</a:t>
+            </a:r>
+            <a:endParaRPr lang="nl-NL" altLang="nl-NL" sz="2000" dirty="0" smtClean="0">
+              <a:solidFill>
+                <a:srgbClr val="00A6D6"/>
+              </a:solidFill>
+              <a:latin typeface="+mn-lt"/>
+              <a:ea typeface="ＭＳ Ｐゴシック" charset="-128"/>
+            </a:endParaRPr>
+          </a:p>
+        </p:txBody>
+      </p:sp>
+    </p:spTree>
+    <p:extLst>
+      <p:ext uri="{BB962C8B-B14F-4D97-AF65-F5344CB8AC3E}">
         <p14:creationId xmlns:p14="http://schemas.microsoft.com/office/powerpoint/2010/main" val="3963056399"/>
       </p:ext>
     </p:extLst>
@@ -5748,6 +6049,13 @@
   <p:clrMapOvr>
     <a:masterClrMapping/>
   </p:clrMapOvr>
+  <p:timing>
+    <p:tnLst>
+      <p:par>
+        <p:cTn id="1" dur="indefinite" restart="never" nodeType="tmRoot"/>
+      </p:par>
+    </p:tnLst>
+  </p:timing>
 </p:sld>
 </file>
 
@@ -6050,6 +6358,13 @@
   <p:clrMapOvr>
     <a:masterClrMapping/>
   </p:clrMapOvr>
+  <p:timing>
+    <p:tnLst>
+      <p:par>
+        <p:cTn id="1" dur="indefinite" restart="never" nodeType="tmRoot"/>
+      </p:par>
+    </p:tnLst>
+  </p:timing>
 </p:sld>
 </file>
 
@@ -6407,6 +6722,13 @@
   <p:clrMapOvr>
     <a:masterClrMapping/>
   </p:clrMapOvr>
+  <p:timing>
+    <p:tnLst>
+      <p:par>
+        <p:cTn id="1" dur="indefinite" restart="never" nodeType="tmRoot"/>
+      </p:par>
+    </p:tnLst>
+  </p:timing>
 </p:sld>
 </file>
 
@@ -6429,7 +6751,7 @@
       </p:grpSpPr>
       <p:sp>
         <p:nvSpPr>
-          <p:cNvPr id="4098" name="Title 3"/>
+          <p:cNvPr id="2" name="Titel 1"/>
           <p:cNvSpPr>
             <a:spLocks noGrp="1"/>
           </p:cNvSpPr>
@@ -6437,294 +6759,1156 @@
             <p:ph type="title"/>
           </p:nvPr>
         </p:nvSpPr>
-        <p:spPr>
-          <a:xfrm>
-            <a:off x="917575" y="457200"/>
-            <a:ext cx="7159625" cy="627063"/>
-          </a:xfrm>
-        </p:spPr>
+        <p:spPr/>
         <p:txBody>
           <a:bodyPr/>
           <a:lstStyle/>
           <a:p>
-            <a:pPr>
-              <a:defRPr/>
-            </a:pPr>
-            <a:r>
-              <a:rPr lang="en-GB" altLang="nl-NL" dirty="0" err="1" smtClean="0">
-                <a:latin typeface="+mn-lt"/>
-                <a:ea typeface="ＭＳ Ｐゴシック" pitchFamily="34" charset="-128"/>
-              </a:rPr>
-              <a:t>Projectactiviteiten</a:t>
-            </a:r>
-            <a:endParaRPr lang="nl-NL" altLang="nl-NL" dirty="0" smtClean="0">
-              <a:latin typeface="+mn-lt"/>
-              <a:ea typeface="ＭＳ Ｐゴシック" pitchFamily="34" charset="-128"/>
-            </a:endParaRPr>
+            <a:r>
+              <a:rPr lang="nl-NL" dirty="0" smtClean="0"/>
+              <a:t>Blokdiagram</a:t>
+            </a:r>
+            <a:endParaRPr lang="nl-NL" dirty="0"/>
           </a:p>
         </p:txBody>
       </p:sp>
       <p:sp>
         <p:nvSpPr>
-          <p:cNvPr id="4099" name="Content Placeholder 4"/>
-          <p:cNvSpPr>
-            <a:spLocks noGrp="1"/>
-          </p:cNvSpPr>
-          <p:nvPr>
-            <p:ph idx="1"/>
-          </p:nvPr>
-        </p:nvSpPr>
-        <p:spPr/>
-        <p:txBody>
-          <a:bodyPr/>
-          <a:lstStyle/>
-          <a:p>
-            <a:r>
-              <a:rPr lang="en-GB" altLang="nl-NL" dirty="0" err="1" smtClean="0">
-                <a:ea typeface="ＭＳ Ｐゴシック" pitchFamily="34" charset="-128"/>
-              </a:rPr>
-              <a:t>Onderdelen</a:t>
-            </a:r>
-            <a:endParaRPr lang="nl-NL" altLang="nl-NL" dirty="0">
-              <a:ea typeface="ＭＳ Ｐゴシック" pitchFamily="34" charset="-128"/>
-            </a:endParaRPr>
-          </a:p>
-          <a:p>
-            <a:pPr lvl="1"/>
-            <a:r>
-              <a:rPr lang="en-GB" altLang="nl-NL" dirty="0" smtClean="0">
-                <a:ea typeface="ＭＳ Ｐゴシック" pitchFamily="34" charset="-128"/>
-              </a:rPr>
-              <a:t>DCF</a:t>
-            </a:r>
-          </a:p>
-          <a:p>
-            <a:pPr lvl="1"/>
-            <a:r>
-              <a:rPr lang="en-GB" altLang="nl-NL" dirty="0" smtClean="0">
-                <a:ea typeface="ＭＳ Ｐゴシック" pitchFamily="34" charset="-128"/>
-              </a:rPr>
-              <a:t>Controller</a:t>
-            </a:r>
-          </a:p>
-          <a:p>
-            <a:pPr lvl="1"/>
-            <a:r>
-              <a:rPr lang="en-GB" altLang="nl-NL" dirty="0" smtClean="0">
-                <a:ea typeface="ＭＳ Ｐゴシック" pitchFamily="34" charset="-128"/>
-              </a:rPr>
-              <a:t>Alarm</a:t>
-            </a:r>
-          </a:p>
-          <a:p>
-            <a:pPr lvl="1"/>
-            <a:r>
-              <a:rPr lang="en-GB" altLang="nl-NL" dirty="0" smtClean="0">
-                <a:ea typeface="ＭＳ Ｐゴシック" pitchFamily="34" charset="-128"/>
-              </a:rPr>
-              <a:t>LCD</a:t>
-            </a:r>
-            <a:endParaRPr lang="en-GB" altLang="nl-NL" dirty="0" smtClean="0">
-              <a:ea typeface="ＭＳ Ｐゴシック" pitchFamily="34" charset="-128"/>
-            </a:endParaRPr>
-          </a:p>
-          <a:p>
-            <a:r>
-              <a:rPr lang="en-GB" altLang="nl-NL" dirty="0" err="1" smtClean="0">
-                <a:ea typeface="ＭＳ Ｐゴシック" pitchFamily="34" charset="-128"/>
-              </a:rPr>
-              <a:t>Ontwerpen</a:t>
-            </a:r>
-            <a:endParaRPr lang="en-GB" altLang="nl-NL" dirty="0" smtClean="0">
-              <a:ea typeface="ＭＳ Ｐゴシック" pitchFamily="34" charset="-128"/>
-            </a:endParaRPr>
-          </a:p>
-          <a:p>
-            <a:r>
-              <a:rPr lang="en-GB" altLang="nl-NL" dirty="0" err="1" smtClean="0">
-                <a:ea typeface="ＭＳ Ｐゴシック" pitchFamily="34" charset="-128"/>
-              </a:rPr>
-              <a:t>Testen</a:t>
-            </a:r>
-            <a:endParaRPr lang="en-GB" altLang="nl-NL" dirty="0">
-              <a:ea typeface="ＭＳ Ｐゴシック" pitchFamily="34" charset="-128"/>
-            </a:endParaRPr>
-          </a:p>
-        </p:txBody>
-      </p:sp>
-      <p:sp>
-        <p:nvSpPr>
-          <p:cNvPr id="6" name="Ondertitel 2"/>
-          <p:cNvSpPr txBox="1">
-            <a:spLocks/>
-          </p:cNvSpPr>
+          <p:cNvPr id="5" name="Rechthoek 4"/>
+          <p:cNvSpPr/>
           <p:nvPr/>
         </p:nvSpPr>
         <p:spPr bwMode="auto">
           <a:xfrm>
-            <a:off x="914400" y="1041400"/>
-            <a:ext cx="6781800" cy="474663"/>
+            <a:off x="1829170" y="2198994"/>
+            <a:ext cx="5780438" cy="2989534"/>
           </a:xfrm>
           <a:prstGeom prst="rect">
             <a:avLst/>
           </a:prstGeom>
           <a:noFill/>
-          <a:ln w="9525">
-            <a:noFill/>
-            <a:miter lim="800000"/>
-            <a:headEnd/>
-            <a:tailEnd/>
+          <a:ln w="38100" cap="flat" cmpd="sng" algn="ctr">
+            <a:solidFill>
+              <a:schemeClr val="tx1"/>
+            </a:solidFill>
+            <a:prstDash val="sysDash"/>
+            <a:round/>
+            <a:headEnd type="none" w="med" len="med"/>
+            <a:tailEnd type="none" w="med" len="med"/>
           </a:ln>
+          <a:effectLst/>
         </p:spPr>
         <p:txBody>
-          <a:bodyPr lIns="0" tIns="0" rIns="0" bIns="0"/>
-          <a:lstStyle>
-            <a:lvl1pPr eaLnBrk="0" hangingPunct="0">
-              <a:defRPr sz="2400">
-                <a:solidFill>
-                  <a:schemeClr val="tx1"/>
-                </a:solidFill>
-                <a:latin typeface="Tahoma" charset="0"/>
-                <a:cs typeface="Arial" charset="0"/>
-              </a:defRPr>
-            </a:lvl1pPr>
-            <a:lvl2pPr marL="37931725" indent="-37474525" eaLnBrk="0" hangingPunct="0">
-              <a:defRPr sz="2400">
-                <a:solidFill>
-                  <a:schemeClr val="tx1"/>
-                </a:solidFill>
-                <a:latin typeface="Tahoma" charset="0"/>
-                <a:cs typeface="Arial" charset="0"/>
-              </a:defRPr>
-            </a:lvl2pPr>
-            <a:lvl3pPr eaLnBrk="0" hangingPunct="0">
-              <a:defRPr sz="2400">
-                <a:solidFill>
-                  <a:schemeClr val="tx1"/>
-                </a:solidFill>
-                <a:latin typeface="Tahoma" charset="0"/>
-                <a:cs typeface="Arial" charset="0"/>
-              </a:defRPr>
-            </a:lvl3pPr>
-            <a:lvl4pPr eaLnBrk="0" hangingPunct="0">
-              <a:defRPr sz="2400">
-                <a:solidFill>
-                  <a:schemeClr val="tx1"/>
-                </a:solidFill>
-                <a:latin typeface="Tahoma" charset="0"/>
-                <a:cs typeface="Arial" charset="0"/>
-              </a:defRPr>
-            </a:lvl4pPr>
-            <a:lvl5pPr eaLnBrk="0" hangingPunct="0">
-              <a:defRPr sz="2400">
-                <a:solidFill>
-                  <a:schemeClr val="tx1"/>
-                </a:solidFill>
-                <a:latin typeface="Tahoma" charset="0"/>
-                <a:cs typeface="Arial" charset="0"/>
-              </a:defRPr>
-            </a:lvl5pPr>
-            <a:lvl6pPr marL="457200" eaLnBrk="0" fontAlgn="base" hangingPunct="0">
+          <a:bodyPr vert="horz" wrap="square" lIns="91440" tIns="45720" rIns="91440" bIns="45720" numCol="1" rtlCol="0" anchor="t" anchorCtr="0" compatLnSpc="1">
+            <a:prstTxWarp prst="textNoShape">
+              <a:avLst/>
+            </a:prstTxWarp>
+          </a:bodyPr>
+          <a:lstStyle/>
+          <a:p>
+            <a:pPr marL="0" marR="0" indent="0" algn="l" defTabSz="914400" rtl="0" eaLnBrk="0" fontAlgn="base" latinLnBrk="0" hangingPunct="0">
+              <a:lnSpc>
+                <a:spcPct val="100000"/>
+              </a:lnSpc>
               <a:spcBef>
                 <a:spcPct val="0"/>
               </a:spcBef>
               <a:spcAft>
                 <a:spcPct val="0"/>
               </a:spcAft>
-              <a:defRPr sz="2400">
-                <a:solidFill>
-                  <a:schemeClr val="tx1"/>
-                </a:solidFill>
-                <a:latin typeface="Tahoma" charset="0"/>
-                <a:cs typeface="Arial" charset="0"/>
-              </a:defRPr>
-            </a:lvl6pPr>
-            <a:lvl7pPr marL="914400" eaLnBrk="0" fontAlgn="base" hangingPunct="0">
+              <a:buClrTx/>
+              <a:buSzTx/>
+              <a:buFontTx/>
+              <a:buNone/>
+              <a:tabLst/>
+            </a:pPr>
+            <a:endParaRPr kumimoji="0" lang="nl-NL" sz="2400" b="0" i="0" u="none" strike="noStrike" cap="none" normalizeH="0" baseline="0" smtClean="0">
+              <a:ln>
+                <a:noFill/>
+              </a:ln>
+              <a:solidFill>
+                <a:schemeClr val="tx1"/>
+              </a:solidFill>
+              <a:effectLst/>
+              <a:latin typeface="Arial" charset="0"/>
+              <a:ea typeface="ＭＳ Ｐゴシック" pitchFamily="1" charset="-128"/>
+            </a:endParaRPr>
+          </a:p>
+        </p:txBody>
+      </p:sp>
+      <p:cxnSp>
+        <p:nvCxnSpPr>
+          <p:cNvPr id="7" name="Rechte verbindingslijn met pijl 6"/>
+          <p:cNvCxnSpPr/>
+          <p:nvPr/>
+        </p:nvCxnSpPr>
+        <p:spPr bwMode="auto">
+          <a:xfrm flipV="1">
+            <a:off x="1385165" y="2443128"/>
+            <a:ext cx="1815871" cy="7364"/>
+          </a:xfrm>
+          <a:prstGeom prst="straightConnector1">
+            <a:avLst/>
+          </a:prstGeom>
+          <a:solidFill>
+            <a:schemeClr val="accent1"/>
+          </a:solidFill>
+          <a:ln w="9525" cap="flat" cmpd="sng" algn="ctr">
+            <a:solidFill>
+              <a:schemeClr val="tx1"/>
+            </a:solidFill>
+            <a:prstDash val="solid"/>
+            <a:round/>
+            <a:headEnd type="none" w="med" len="med"/>
+            <a:tailEnd type="triangle"/>
+          </a:ln>
+          <a:effectLst/>
+        </p:spPr>
+      </p:cxnSp>
+      <p:cxnSp>
+        <p:nvCxnSpPr>
+          <p:cNvPr id="9" name="Rechte verbindingslijn met pijl 8"/>
+          <p:cNvCxnSpPr/>
+          <p:nvPr/>
+        </p:nvCxnSpPr>
+        <p:spPr bwMode="auto">
+          <a:xfrm>
+            <a:off x="1385164" y="2555540"/>
+            <a:ext cx="1815872" cy="10191"/>
+          </a:xfrm>
+          <a:prstGeom prst="straightConnector1">
+            <a:avLst/>
+          </a:prstGeom>
+          <a:solidFill>
+            <a:schemeClr val="accent1"/>
+          </a:solidFill>
+          <a:ln w="9525" cap="flat" cmpd="sng" algn="ctr">
+            <a:solidFill>
+              <a:schemeClr val="tx1"/>
+            </a:solidFill>
+            <a:prstDash val="solid"/>
+            <a:round/>
+            <a:headEnd type="none" w="med" len="med"/>
+            <a:tailEnd type="triangle"/>
+          </a:ln>
+          <a:effectLst/>
+        </p:spPr>
+      </p:cxnSp>
+      <p:sp>
+        <p:nvSpPr>
+          <p:cNvPr id="10" name="Rechthoek 9"/>
+          <p:cNvSpPr/>
+          <p:nvPr/>
+        </p:nvSpPr>
+        <p:spPr bwMode="auto">
+          <a:xfrm>
+            <a:off x="2014640" y="3161961"/>
+            <a:ext cx="1001437" cy="1861300"/>
+          </a:xfrm>
+          <a:prstGeom prst="rect">
+            <a:avLst/>
+          </a:prstGeom>
+          <a:solidFill>
+            <a:schemeClr val="bg2">
+              <a:lumMod val="20000"/>
+              <a:lumOff val="80000"/>
+            </a:schemeClr>
+          </a:solidFill>
+          <a:ln w="9525" cap="flat" cmpd="sng" algn="ctr">
+            <a:solidFill>
+              <a:schemeClr val="tx1"/>
+            </a:solidFill>
+            <a:prstDash val="solid"/>
+            <a:round/>
+            <a:headEnd type="none" w="med" len="med"/>
+            <a:tailEnd type="none" w="med" len="med"/>
+          </a:ln>
+          <a:effectLst/>
+        </p:spPr>
+        <p:txBody>
+          <a:bodyPr vert="horz" wrap="square" lIns="91440" tIns="45720" rIns="91440" bIns="45720" numCol="1" rtlCol="0" anchor="t" anchorCtr="0" compatLnSpc="1">
+            <a:prstTxWarp prst="textNoShape">
+              <a:avLst/>
+            </a:prstTxWarp>
+          </a:bodyPr>
+          <a:lstStyle/>
+          <a:p>
+            <a:pPr marL="0" marR="0" indent="0" algn="l" defTabSz="914400" rtl="0" eaLnBrk="0" fontAlgn="base" latinLnBrk="0" hangingPunct="0">
+              <a:lnSpc>
+                <a:spcPct val="100000"/>
+              </a:lnSpc>
               <a:spcBef>
                 <a:spcPct val="0"/>
               </a:spcBef>
               <a:spcAft>
                 <a:spcPct val="0"/>
               </a:spcAft>
-              <a:defRPr sz="2400">
-                <a:solidFill>
-                  <a:schemeClr val="tx1"/>
-                </a:solidFill>
-                <a:latin typeface="Tahoma" charset="0"/>
-                <a:cs typeface="Arial" charset="0"/>
-              </a:defRPr>
-            </a:lvl7pPr>
-            <a:lvl8pPr marL="1371600" eaLnBrk="0" fontAlgn="base" hangingPunct="0">
+              <a:buClrTx/>
+              <a:buSzTx/>
+              <a:buFontTx/>
+              <a:buNone/>
+              <a:tabLst/>
+            </a:pPr>
+            <a:endParaRPr kumimoji="0" lang="nl-NL" sz="2400" b="0" i="0" u="none" strike="noStrike" cap="none" normalizeH="0" baseline="0" smtClean="0">
+              <a:ln>
+                <a:noFill/>
+              </a:ln>
+              <a:solidFill>
+                <a:schemeClr val="tx1"/>
+              </a:solidFill>
+              <a:effectLst/>
+              <a:latin typeface="Arial" charset="0"/>
+              <a:ea typeface="ＭＳ Ｐゴシック" pitchFamily="1" charset="-128"/>
+            </a:endParaRPr>
+          </a:p>
+        </p:txBody>
+      </p:sp>
+      <p:sp>
+        <p:nvSpPr>
+          <p:cNvPr id="11" name="Tekstvak 10"/>
+          <p:cNvSpPr txBox="1"/>
+          <p:nvPr/>
+        </p:nvSpPr>
+        <p:spPr>
+          <a:xfrm>
+            <a:off x="2100477" y="3272412"/>
+            <a:ext cx="821587" cy="371765"/>
+          </a:xfrm>
+          <a:prstGeom prst="rect">
+            <a:avLst/>
+          </a:prstGeom>
+          <a:noFill/>
+        </p:spPr>
+        <p:txBody>
+          <a:bodyPr wrap="square" rtlCol="0">
+            <a:spAutoFit/>
+          </a:bodyPr>
+          <a:lstStyle/>
+          <a:p>
+            <a:r>
+              <a:rPr lang="nl-NL" dirty="0" smtClean="0"/>
+              <a:t>DCF</a:t>
+            </a:r>
+            <a:endParaRPr lang="nl-NL" dirty="0"/>
+          </a:p>
+        </p:txBody>
+      </p:sp>
+      <p:sp>
+        <p:nvSpPr>
+          <p:cNvPr id="12" name="Rechthoek 11"/>
+          <p:cNvSpPr/>
+          <p:nvPr/>
+        </p:nvSpPr>
+        <p:spPr bwMode="auto">
+          <a:xfrm>
+            <a:off x="3185708" y="2355057"/>
+            <a:ext cx="1900687" cy="2668204"/>
+          </a:xfrm>
+          <a:prstGeom prst="rect">
+            <a:avLst/>
+          </a:prstGeom>
+          <a:solidFill>
+            <a:schemeClr val="accent1">
+              <a:lumMod val="20000"/>
+              <a:lumOff val="80000"/>
+            </a:schemeClr>
+          </a:solidFill>
+          <a:ln w="9525" cap="flat" cmpd="sng" algn="ctr">
+            <a:solidFill>
+              <a:schemeClr val="tx1"/>
+            </a:solidFill>
+            <a:prstDash val="solid"/>
+            <a:round/>
+            <a:headEnd type="none" w="med" len="med"/>
+            <a:tailEnd type="none" w="med" len="med"/>
+          </a:ln>
+          <a:effectLst/>
+        </p:spPr>
+        <p:txBody>
+          <a:bodyPr vert="horz" wrap="square" lIns="91440" tIns="45720" rIns="91440" bIns="45720" numCol="1" rtlCol="0" anchor="t" anchorCtr="0" compatLnSpc="1">
+            <a:prstTxWarp prst="textNoShape">
+              <a:avLst/>
+            </a:prstTxWarp>
+          </a:bodyPr>
+          <a:lstStyle/>
+          <a:p>
+            <a:pPr marL="0" marR="0" indent="0" algn="l" defTabSz="914400" rtl="0" eaLnBrk="0" fontAlgn="base" latinLnBrk="0" hangingPunct="0">
+              <a:lnSpc>
+                <a:spcPct val="100000"/>
+              </a:lnSpc>
               <a:spcBef>
                 <a:spcPct val="0"/>
               </a:spcBef>
               <a:spcAft>
                 <a:spcPct val="0"/>
               </a:spcAft>
-              <a:defRPr sz="2400">
-                <a:solidFill>
-                  <a:schemeClr val="tx1"/>
-                </a:solidFill>
-                <a:latin typeface="Tahoma" charset="0"/>
-                <a:cs typeface="Arial" charset="0"/>
-              </a:defRPr>
-            </a:lvl8pPr>
-            <a:lvl9pPr marL="1828800" eaLnBrk="0" fontAlgn="base" hangingPunct="0">
+              <a:buClrTx/>
+              <a:buSzTx/>
+              <a:buFontTx/>
+              <a:buNone/>
+              <a:tabLst/>
+            </a:pPr>
+            <a:endParaRPr kumimoji="0" lang="nl-NL" sz="2400" b="0" i="0" u="none" strike="noStrike" cap="none" normalizeH="0" baseline="0" smtClean="0">
+              <a:ln>
+                <a:noFill/>
+              </a:ln>
+              <a:solidFill>
+                <a:schemeClr val="tx1"/>
+              </a:solidFill>
+              <a:effectLst/>
+              <a:latin typeface="Arial" charset="0"/>
+              <a:ea typeface="ＭＳ Ｐゴシック" pitchFamily="1" charset="-128"/>
+            </a:endParaRPr>
+          </a:p>
+        </p:txBody>
+      </p:sp>
+      <p:sp>
+        <p:nvSpPr>
+          <p:cNvPr id="13" name="Tekstvak 12"/>
+          <p:cNvSpPr txBox="1"/>
+          <p:nvPr/>
+        </p:nvSpPr>
+        <p:spPr>
+          <a:xfrm>
+            <a:off x="3287896" y="2464076"/>
+            <a:ext cx="1701421" cy="669177"/>
+          </a:xfrm>
+          <a:prstGeom prst="rect">
+            <a:avLst/>
+          </a:prstGeom>
+          <a:noFill/>
+        </p:spPr>
+        <p:txBody>
+          <a:bodyPr wrap="square" rtlCol="0">
+            <a:spAutoFit/>
+          </a:bodyPr>
+          <a:lstStyle/>
+          <a:p>
+            <a:r>
+              <a:rPr lang="nl-NL" dirty="0" err="1" smtClean="0"/>
+              <a:t>Main</a:t>
+            </a:r>
+            <a:r>
+              <a:rPr lang="nl-NL" dirty="0" smtClean="0"/>
+              <a:t> controller</a:t>
+            </a:r>
+            <a:endParaRPr lang="nl-NL" dirty="0"/>
+          </a:p>
+        </p:txBody>
+      </p:sp>
+      <p:sp>
+        <p:nvSpPr>
+          <p:cNvPr id="14" name="Rechthoek 13"/>
+          <p:cNvSpPr/>
+          <p:nvPr/>
+        </p:nvSpPr>
+        <p:spPr bwMode="auto">
+          <a:xfrm>
+            <a:off x="5256026" y="2355057"/>
+            <a:ext cx="2196009" cy="641637"/>
+          </a:xfrm>
+          <a:prstGeom prst="rect">
+            <a:avLst/>
+          </a:prstGeom>
+          <a:solidFill>
+            <a:schemeClr val="bg1">
+              <a:lumMod val="95000"/>
+            </a:schemeClr>
+          </a:solidFill>
+          <a:ln w="9525" cap="flat" cmpd="sng" algn="ctr">
+            <a:solidFill>
+              <a:schemeClr val="tx1"/>
+            </a:solidFill>
+            <a:prstDash val="solid"/>
+            <a:round/>
+            <a:headEnd type="none" w="med" len="med"/>
+            <a:tailEnd type="none" w="med" len="med"/>
+          </a:ln>
+          <a:effectLst/>
+        </p:spPr>
+        <p:txBody>
+          <a:bodyPr vert="horz" wrap="square" lIns="91440" tIns="45720" rIns="91440" bIns="45720" numCol="1" rtlCol="0" anchor="t" anchorCtr="0" compatLnSpc="1">
+            <a:prstTxWarp prst="textNoShape">
+              <a:avLst/>
+            </a:prstTxWarp>
+          </a:bodyPr>
+          <a:lstStyle/>
+          <a:p>
+            <a:pPr marL="0" marR="0" indent="0" algn="l" defTabSz="914400" rtl="0" eaLnBrk="0" fontAlgn="base" latinLnBrk="0" hangingPunct="0">
+              <a:lnSpc>
+                <a:spcPct val="100000"/>
+              </a:lnSpc>
               <a:spcBef>
                 <a:spcPct val="0"/>
               </a:spcBef>
               <a:spcAft>
                 <a:spcPct val="0"/>
               </a:spcAft>
-              <a:defRPr sz="2400">
-                <a:solidFill>
-                  <a:schemeClr val="tx1"/>
-                </a:solidFill>
-                <a:latin typeface="Tahoma" charset="0"/>
-                <a:cs typeface="Arial" charset="0"/>
-              </a:defRPr>
-            </a:lvl9pPr>
-          </a:lstStyle>
-          <a:p>
-            <a:pPr algn="l">
-              <a:lnSpc>
-                <a:spcPts val="2500"/>
-              </a:lnSpc>
-              <a:buClr>
-                <a:srgbClr val="00A6D6"/>
-              </a:buClr>
-              <a:defRPr/>
+              <a:buClrTx/>
+              <a:buSzTx/>
+              <a:buFontTx/>
+              <a:buNone/>
+              <a:tabLst/>
             </a:pPr>
-            <a:r>
-              <a:rPr lang="nl-NL" altLang="nl-NL" sz="2000" dirty="0" err="1" smtClean="0">
-                <a:solidFill>
-                  <a:srgbClr val="00A6D6"/>
-                </a:solidFill>
-                <a:latin typeface="+mn-lt"/>
-                <a:ea typeface="ＭＳ Ｐゴシック" charset="-128"/>
-              </a:rPr>
-              <a:t>Subtitle</a:t>
-            </a:r>
-            <a:endParaRPr lang="nl-NL" altLang="nl-NL" sz="2000" dirty="0" smtClean="0">
+            <a:endParaRPr kumimoji="0" lang="nl-NL" sz="2400" b="0" i="0" u="none" strike="noStrike" cap="none" normalizeH="0" baseline="0" smtClean="0">
+              <a:ln>
+                <a:noFill/>
+              </a:ln>
               <a:solidFill>
-                <a:srgbClr val="00A6D6"/>
+                <a:schemeClr val="tx1"/>
               </a:solidFill>
-              <a:latin typeface="+mn-lt"/>
-              <a:ea typeface="ＭＳ Ｐゴシック" charset="-128"/>
+              <a:effectLst/>
+              <a:latin typeface="Arial" charset="0"/>
+              <a:ea typeface="ＭＳ Ｐゴシック" pitchFamily="1" charset="-128"/>
             </a:endParaRPr>
           </a:p>
         </p:txBody>
       </p:sp>
+      <p:sp>
+        <p:nvSpPr>
+          <p:cNvPr id="15" name="Tekstvak 14"/>
+          <p:cNvSpPr txBox="1"/>
+          <p:nvPr/>
+        </p:nvSpPr>
+        <p:spPr>
+          <a:xfrm>
+            <a:off x="5346973" y="2456712"/>
+            <a:ext cx="2018202" cy="371765"/>
+          </a:xfrm>
+          <a:prstGeom prst="rect">
+            <a:avLst/>
+          </a:prstGeom>
+          <a:noFill/>
+        </p:spPr>
+        <p:txBody>
+          <a:bodyPr wrap="square" rtlCol="0">
+            <a:spAutoFit/>
+          </a:bodyPr>
+          <a:lstStyle/>
+          <a:p>
+            <a:r>
+              <a:rPr lang="nl-NL" dirty="0" smtClean="0"/>
+              <a:t>LCD</a:t>
+            </a:r>
+            <a:endParaRPr lang="nl-NL" dirty="0"/>
+          </a:p>
+        </p:txBody>
+      </p:sp>
+      <p:sp>
+        <p:nvSpPr>
+          <p:cNvPr id="16" name="Rechthoek 15"/>
+          <p:cNvSpPr/>
+          <p:nvPr/>
+        </p:nvSpPr>
+        <p:spPr bwMode="auto">
+          <a:xfrm>
+            <a:off x="5256026" y="3161961"/>
+            <a:ext cx="2196009" cy="1861300"/>
+          </a:xfrm>
+          <a:prstGeom prst="rect">
+            <a:avLst/>
+          </a:prstGeom>
+          <a:solidFill>
+            <a:schemeClr val="accent2">
+              <a:lumMod val="25000"/>
+              <a:lumOff val="75000"/>
+            </a:schemeClr>
+          </a:solidFill>
+          <a:ln w="9525" cap="flat" cmpd="sng" algn="ctr">
+            <a:solidFill>
+              <a:schemeClr val="tx1"/>
+            </a:solidFill>
+            <a:prstDash val="solid"/>
+            <a:round/>
+            <a:headEnd type="none" w="med" len="med"/>
+            <a:tailEnd type="none" w="med" len="med"/>
+          </a:ln>
+          <a:effectLst/>
+        </p:spPr>
+        <p:txBody>
+          <a:bodyPr vert="horz" wrap="square" lIns="91440" tIns="45720" rIns="91440" bIns="45720" numCol="1" rtlCol="0" anchor="t" anchorCtr="0" compatLnSpc="1">
+            <a:prstTxWarp prst="textNoShape">
+              <a:avLst/>
+            </a:prstTxWarp>
+          </a:bodyPr>
+          <a:lstStyle/>
+          <a:p>
+            <a:pPr marL="0" marR="0" indent="0" algn="l" defTabSz="914400" rtl="0" eaLnBrk="0" fontAlgn="base" latinLnBrk="0" hangingPunct="0">
+              <a:lnSpc>
+                <a:spcPct val="100000"/>
+              </a:lnSpc>
+              <a:spcBef>
+                <a:spcPct val="0"/>
+              </a:spcBef>
+              <a:spcAft>
+                <a:spcPct val="0"/>
+              </a:spcAft>
+              <a:buClrTx/>
+              <a:buSzTx/>
+              <a:buFontTx/>
+              <a:buNone/>
+              <a:tabLst/>
+            </a:pPr>
+            <a:endParaRPr kumimoji="0" lang="nl-NL" sz="2400" b="0" i="0" u="none" strike="noStrike" cap="none" normalizeH="0" baseline="0" smtClean="0">
+              <a:ln>
+                <a:noFill/>
+              </a:ln>
+              <a:solidFill>
+                <a:schemeClr val="tx1"/>
+              </a:solidFill>
+              <a:effectLst/>
+              <a:latin typeface="Arial" charset="0"/>
+              <a:ea typeface="ＭＳ Ｐゴシック" pitchFamily="1" charset="-128"/>
+            </a:endParaRPr>
+          </a:p>
+        </p:txBody>
+      </p:sp>
+      <p:sp>
+        <p:nvSpPr>
+          <p:cNvPr id="17" name="Tekstvak 16"/>
+          <p:cNvSpPr txBox="1"/>
+          <p:nvPr/>
+        </p:nvSpPr>
+        <p:spPr>
+          <a:xfrm>
+            <a:off x="5346973" y="3272412"/>
+            <a:ext cx="1961999" cy="371765"/>
+          </a:xfrm>
+          <a:prstGeom prst="rect">
+            <a:avLst/>
+          </a:prstGeom>
+          <a:noFill/>
+        </p:spPr>
+        <p:txBody>
+          <a:bodyPr wrap="square" rtlCol="0">
+            <a:spAutoFit/>
+          </a:bodyPr>
+          <a:lstStyle/>
+          <a:p>
+            <a:r>
+              <a:rPr lang="nl-NL" dirty="0" smtClean="0"/>
+              <a:t>Alar</a:t>
+            </a:r>
+            <a:r>
+              <a:rPr lang="nl-NL" dirty="0"/>
+              <a:t>m</a:t>
+            </a:r>
+          </a:p>
+        </p:txBody>
+      </p:sp>
+      <p:cxnSp>
+        <p:nvCxnSpPr>
+          <p:cNvPr id="21" name="Rechte verbindingslijn met pijl 20"/>
+          <p:cNvCxnSpPr/>
+          <p:nvPr/>
+        </p:nvCxnSpPr>
+        <p:spPr bwMode="auto">
+          <a:xfrm>
+            <a:off x="1385164" y="2670779"/>
+            <a:ext cx="1815872" cy="10191"/>
+          </a:xfrm>
+          <a:prstGeom prst="straightConnector1">
+            <a:avLst/>
+          </a:prstGeom>
+          <a:solidFill>
+            <a:schemeClr val="accent1"/>
+          </a:solidFill>
+          <a:ln w="9525" cap="flat" cmpd="sng" algn="ctr">
+            <a:solidFill>
+              <a:schemeClr val="tx1"/>
+            </a:solidFill>
+            <a:prstDash val="solid"/>
+            <a:round/>
+            <a:headEnd type="none" w="med" len="med"/>
+            <a:tailEnd type="triangle"/>
+          </a:ln>
+          <a:effectLst/>
+        </p:spPr>
+      </p:cxnSp>
+      <p:cxnSp>
+        <p:nvCxnSpPr>
+          <p:cNvPr id="22" name="Rechte verbindingslijn met pijl 21"/>
+          <p:cNvCxnSpPr/>
+          <p:nvPr/>
+        </p:nvCxnSpPr>
+        <p:spPr bwMode="auto">
+          <a:xfrm>
+            <a:off x="1385164" y="2786018"/>
+            <a:ext cx="1815872" cy="10191"/>
+          </a:xfrm>
+          <a:prstGeom prst="straightConnector1">
+            <a:avLst/>
+          </a:prstGeom>
+          <a:solidFill>
+            <a:schemeClr val="accent1"/>
+          </a:solidFill>
+          <a:ln w="9525" cap="flat" cmpd="sng" algn="ctr">
+            <a:solidFill>
+              <a:schemeClr val="tx1"/>
+            </a:solidFill>
+            <a:prstDash val="solid"/>
+            <a:round/>
+            <a:headEnd type="none" w="med" len="med"/>
+            <a:tailEnd type="triangle"/>
+          </a:ln>
+          <a:effectLst/>
+        </p:spPr>
+      </p:cxnSp>
+      <p:cxnSp>
+        <p:nvCxnSpPr>
+          <p:cNvPr id="24" name="Rechte verbindingslijn met pijl 23"/>
+          <p:cNvCxnSpPr>
+            <a:stCxn id="26" idx="2"/>
+          </p:cNvCxnSpPr>
+          <p:nvPr/>
+        </p:nvCxnSpPr>
+        <p:spPr bwMode="auto">
+          <a:xfrm flipH="1">
+            <a:off x="2204431" y="1865245"/>
+            <a:ext cx="6408" cy="340545"/>
+          </a:xfrm>
+          <a:prstGeom prst="straightConnector1">
+            <a:avLst/>
+          </a:prstGeom>
+          <a:solidFill>
+            <a:schemeClr val="accent1"/>
+          </a:solidFill>
+          <a:ln w="9525" cap="flat" cmpd="sng" algn="ctr">
+            <a:solidFill>
+              <a:schemeClr val="tx1"/>
+            </a:solidFill>
+            <a:prstDash val="solid"/>
+            <a:round/>
+            <a:headEnd type="none" w="med" len="med"/>
+            <a:tailEnd type="triangle"/>
+          </a:ln>
+          <a:effectLst/>
+        </p:spPr>
+      </p:cxnSp>
+      <p:cxnSp>
+        <p:nvCxnSpPr>
+          <p:cNvPr id="25" name="Rechte verbindingslijn met pijl 24"/>
+          <p:cNvCxnSpPr>
+            <a:stCxn id="27" idx="2"/>
+          </p:cNvCxnSpPr>
+          <p:nvPr/>
+        </p:nvCxnSpPr>
+        <p:spPr bwMode="auto">
+          <a:xfrm>
+            <a:off x="2676476" y="1861767"/>
+            <a:ext cx="0" cy="326437"/>
+          </a:xfrm>
+          <a:prstGeom prst="straightConnector1">
+            <a:avLst/>
+          </a:prstGeom>
+          <a:solidFill>
+            <a:schemeClr val="accent1"/>
+          </a:solidFill>
+          <a:ln w="9525" cap="flat" cmpd="sng" algn="ctr">
+            <a:solidFill>
+              <a:schemeClr val="tx1"/>
+            </a:solidFill>
+            <a:prstDash val="solid"/>
+            <a:round/>
+            <a:headEnd type="none" w="med" len="med"/>
+            <a:tailEnd type="triangle"/>
+          </a:ln>
+          <a:effectLst/>
+        </p:spPr>
+      </p:cxnSp>
+      <p:sp>
+        <p:nvSpPr>
+          <p:cNvPr id="26" name="Tekstvak 25"/>
+          <p:cNvSpPr txBox="1"/>
+          <p:nvPr/>
+        </p:nvSpPr>
+        <p:spPr>
+          <a:xfrm>
+            <a:off x="1899111" y="1495913"/>
+            <a:ext cx="623455" cy="369332"/>
+          </a:xfrm>
+          <a:prstGeom prst="rect">
+            <a:avLst/>
+          </a:prstGeom>
+          <a:noFill/>
+        </p:spPr>
+        <p:txBody>
+          <a:bodyPr wrap="square" rtlCol="0">
+            <a:spAutoFit/>
+          </a:bodyPr>
+          <a:lstStyle/>
+          <a:p>
+            <a:r>
+              <a:rPr lang="nl-NL" sz="1800" dirty="0" err="1" smtClean="0"/>
+              <a:t>clk</a:t>
+            </a:r>
+            <a:endParaRPr lang="nl-NL" sz="1800" dirty="0"/>
+          </a:p>
+        </p:txBody>
+      </p:sp>
+      <p:sp>
+        <p:nvSpPr>
+          <p:cNvPr id="27" name="Tekstvak 26"/>
+          <p:cNvSpPr txBox="1"/>
+          <p:nvPr/>
+        </p:nvSpPr>
+        <p:spPr>
+          <a:xfrm>
+            <a:off x="2167244" y="1492435"/>
+            <a:ext cx="1018464" cy="369332"/>
+          </a:xfrm>
+          <a:prstGeom prst="rect">
+            <a:avLst/>
+          </a:prstGeom>
+          <a:noFill/>
+        </p:spPr>
+        <p:txBody>
+          <a:bodyPr wrap="square" rtlCol="0">
+            <a:spAutoFit/>
+          </a:bodyPr>
+          <a:lstStyle/>
+          <a:p>
+            <a:r>
+              <a:rPr lang="nl-NL" sz="1800" dirty="0" smtClean="0"/>
+              <a:t>reset</a:t>
+            </a:r>
+            <a:endParaRPr lang="nl-NL" sz="1800" dirty="0"/>
+          </a:p>
+        </p:txBody>
+      </p:sp>
+      <p:sp>
+        <p:nvSpPr>
+          <p:cNvPr id="33" name="Tekstvak 32"/>
+          <p:cNvSpPr txBox="1"/>
+          <p:nvPr/>
+        </p:nvSpPr>
+        <p:spPr>
+          <a:xfrm>
+            <a:off x="884585" y="1874011"/>
+            <a:ext cx="461665" cy="1578941"/>
+          </a:xfrm>
+          <a:prstGeom prst="rect">
+            <a:avLst/>
+          </a:prstGeom>
+          <a:noFill/>
+        </p:spPr>
+        <p:txBody>
+          <a:bodyPr vert="vert270" wrap="square" rtlCol="0">
+            <a:spAutoFit/>
+          </a:bodyPr>
+          <a:lstStyle/>
+          <a:p>
+            <a:r>
+              <a:rPr lang="nl-NL" sz="1800" dirty="0" smtClean="0"/>
+              <a:t>knoppen</a:t>
+            </a:r>
+            <a:endParaRPr lang="nl-NL" sz="1800" dirty="0"/>
+          </a:p>
+        </p:txBody>
+      </p:sp>
+      <p:cxnSp>
+        <p:nvCxnSpPr>
+          <p:cNvPr id="35" name="Rechte verbindingslijn met pijl 34"/>
+          <p:cNvCxnSpPr/>
+          <p:nvPr/>
+        </p:nvCxnSpPr>
+        <p:spPr bwMode="auto">
+          <a:xfrm>
+            <a:off x="1385164" y="3644177"/>
+            <a:ext cx="629476" cy="0"/>
+          </a:xfrm>
+          <a:prstGeom prst="straightConnector1">
+            <a:avLst/>
+          </a:prstGeom>
+          <a:solidFill>
+            <a:schemeClr val="accent1"/>
+          </a:solidFill>
+          <a:ln w="9525" cap="flat" cmpd="sng" algn="ctr">
+            <a:solidFill>
+              <a:schemeClr val="tx1"/>
+            </a:solidFill>
+            <a:prstDash val="solid"/>
+            <a:round/>
+            <a:headEnd type="none" w="med" len="med"/>
+            <a:tailEnd type="triangle"/>
+          </a:ln>
+          <a:effectLst/>
+        </p:spPr>
+      </p:cxnSp>
+      <p:sp>
+        <p:nvSpPr>
+          <p:cNvPr id="37" name="Tekstvak 36"/>
+          <p:cNvSpPr txBox="1"/>
+          <p:nvPr/>
+        </p:nvSpPr>
+        <p:spPr>
+          <a:xfrm>
+            <a:off x="956116" y="3159216"/>
+            <a:ext cx="461665" cy="953224"/>
+          </a:xfrm>
+          <a:prstGeom prst="rect">
+            <a:avLst/>
+          </a:prstGeom>
+          <a:noFill/>
+        </p:spPr>
+        <p:txBody>
+          <a:bodyPr vert="vert270" wrap="square" rtlCol="0">
+            <a:spAutoFit/>
+          </a:bodyPr>
+          <a:lstStyle/>
+          <a:p>
+            <a:r>
+              <a:rPr lang="nl-NL" sz="1800" dirty="0" smtClean="0"/>
+              <a:t>DCF</a:t>
+            </a:r>
+            <a:endParaRPr lang="nl-NL" sz="1800" dirty="0"/>
+          </a:p>
+        </p:txBody>
+      </p:sp>
+      <p:cxnSp>
+        <p:nvCxnSpPr>
+          <p:cNvPr id="39" name="Rechte verbindingslijn met pijl 38"/>
+          <p:cNvCxnSpPr/>
+          <p:nvPr/>
+        </p:nvCxnSpPr>
+        <p:spPr bwMode="auto">
+          <a:xfrm flipV="1">
+            <a:off x="6355681" y="5021484"/>
+            <a:ext cx="0" cy="529936"/>
+          </a:xfrm>
+          <a:prstGeom prst="straightConnector1">
+            <a:avLst/>
+          </a:prstGeom>
+          <a:solidFill>
+            <a:schemeClr val="accent1"/>
+          </a:solidFill>
+          <a:ln w="9525" cap="flat" cmpd="sng" algn="ctr">
+            <a:solidFill>
+              <a:schemeClr val="tx1"/>
+            </a:solidFill>
+            <a:prstDash val="solid"/>
+            <a:round/>
+            <a:headEnd type="none" w="med" len="med"/>
+            <a:tailEnd type="triangle"/>
+          </a:ln>
+          <a:effectLst/>
+        </p:spPr>
+      </p:cxnSp>
+      <p:sp>
+        <p:nvSpPr>
+          <p:cNvPr id="42" name="Tekstvak 41"/>
+          <p:cNvSpPr txBox="1"/>
+          <p:nvPr/>
+        </p:nvSpPr>
+        <p:spPr>
+          <a:xfrm>
+            <a:off x="5594871" y="5551420"/>
+            <a:ext cx="1518318" cy="369332"/>
+          </a:xfrm>
+          <a:prstGeom prst="rect">
+            <a:avLst/>
+          </a:prstGeom>
+          <a:noFill/>
+        </p:spPr>
+        <p:txBody>
+          <a:bodyPr wrap="square" rtlCol="0">
+            <a:spAutoFit/>
+          </a:bodyPr>
+          <a:lstStyle/>
+          <a:p>
+            <a:r>
+              <a:rPr lang="nl-NL" sz="1800" dirty="0" smtClean="0"/>
+              <a:t>knop</a:t>
+            </a:r>
+            <a:endParaRPr lang="nl-NL" sz="1800" dirty="0"/>
+          </a:p>
+        </p:txBody>
+      </p:sp>
+      <p:cxnSp>
+        <p:nvCxnSpPr>
+          <p:cNvPr id="44" name="Rechte verbindingslijn met pijl 43"/>
+          <p:cNvCxnSpPr>
+            <a:stCxn id="14" idx="3"/>
+          </p:cNvCxnSpPr>
+          <p:nvPr/>
+        </p:nvCxnSpPr>
+        <p:spPr bwMode="auto">
+          <a:xfrm>
+            <a:off x="7452035" y="2675876"/>
+            <a:ext cx="500474" cy="5094"/>
+          </a:xfrm>
+          <a:prstGeom prst="straightConnector1">
+            <a:avLst/>
+          </a:prstGeom>
+          <a:solidFill>
+            <a:schemeClr val="accent1"/>
+          </a:solidFill>
+          <a:ln w="9525" cap="flat" cmpd="sng" algn="ctr">
+            <a:solidFill>
+              <a:schemeClr val="tx1"/>
+            </a:solidFill>
+            <a:prstDash val="solid"/>
+            <a:round/>
+            <a:headEnd type="none" w="med" len="med"/>
+            <a:tailEnd type="triangle"/>
+          </a:ln>
+          <a:effectLst/>
+        </p:spPr>
+      </p:cxnSp>
+      <p:sp>
+        <p:nvSpPr>
+          <p:cNvPr id="45" name="Tekstvak 44"/>
+          <p:cNvSpPr txBox="1"/>
+          <p:nvPr/>
+        </p:nvSpPr>
+        <p:spPr>
+          <a:xfrm>
+            <a:off x="7740372" y="2486113"/>
+            <a:ext cx="945149" cy="369332"/>
+          </a:xfrm>
+          <a:prstGeom prst="rect">
+            <a:avLst/>
+          </a:prstGeom>
+          <a:noFill/>
+        </p:spPr>
+        <p:txBody>
+          <a:bodyPr wrap="square" rtlCol="0">
+            <a:spAutoFit/>
+          </a:bodyPr>
+          <a:lstStyle/>
+          <a:p>
+            <a:r>
+              <a:rPr lang="nl-NL" sz="1800" dirty="0" smtClean="0"/>
+              <a:t>LCD</a:t>
+            </a:r>
+            <a:endParaRPr lang="nl-NL" sz="1800" dirty="0"/>
+          </a:p>
+        </p:txBody>
+      </p:sp>
+      <p:cxnSp>
+        <p:nvCxnSpPr>
+          <p:cNvPr id="47" name="Rechte verbindingslijn met pijl 46"/>
+          <p:cNvCxnSpPr/>
+          <p:nvPr/>
+        </p:nvCxnSpPr>
+        <p:spPr bwMode="auto">
+          <a:xfrm>
+            <a:off x="7452035" y="3519055"/>
+            <a:ext cx="500474" cy="13853"/>
+          </a:xfrm>
+          <a:prstGeom prst="straightConnector1">
+            <a:avLst/>
+          </a:prstGeom>
+          <a:solidFill>
+            <a:schemeClr val="accent1"/>
+          </a:solidFill>
+          <a:ln w="9525" cap="flat" cmpd="sng" algn="ctr">
+            <a:solidFill>
+              <a:schemeClr val="tx1"/>
+            </a:solidFill>
+            <a:prstDash val="solid"/>
+            <a:round/>
+            <a:headEnd type="none" w="med" len="med"/>
+            <a:tailEnd type="triangle"/>
+          </a:ln>
+          <a:effectLst/>
+        </p:spPr>
+      </p:cxnSp>
+      <p:sp>
+        <p:nvSpPr>
+          <p:cNvPr id="48" name="Tekstvak 47"/>
+          <p:cNvSpPr txBox="1"/>
+          <p:nvPr/>
+        </p:nvSpPr>
+        <p:spPr>
+          <a:xfrm>
+            <a:off x="7752671" y="3348242"/>
+            <a:ext cx="914400" cy="369332"/>
+          </a:xfrm>
+          <a:prstGeom prst="rect">
+            <a:avLst/>
+          </a:prstGeom>
+          <a:noFill/>
+        </p:spPr>
+        <p:txBody>
+          <a:bodyPr wrap="square" rtlCol="0">
+            <a:spAutoFit/>
+          </a:bodyPr>
+          <a:lstStyle/>
+          <a:p>
+            <a:r>
+              <a:rPr lang="nl-NL" sz="1800" dirty="0" smtClean="0"/>
+              <a:t>RGB</a:t>
+            </a:r>
+            <a:endParaRPr lang="nl-NL" sz="1800" dirty="0"/>
+          </a:p>
+        </p:txBody>
+      </p:sp>
+      <p:cxnSp>
+        <p:nvCxnSpPr>
+          <p:cNvPr id="52" name="Rechte verbindingslijn met pijl 51"/>
+          <p:cNvCxnSpPr/>
+          <p:nvPr/>
+        </p:nvCxnSpPr>
+        <p:spPr bwMode="auto">
+          <a:xfrm>
+            <a:off x="7452035" y="4544291"/>
+            <a:ext cx="576674" cy="6927"/>
+          </a:xfrm>
+          <a:prstGeom prst="straightConnector1">
+            <a:avLst/>
+          </a:prstGeom>
+          <a:solidFill>
+            <a:schemeClr val="accent1"/>
+          </a:solidFill>
+          <a:ln w="9525" cap="flat" cmpd="sng" algn="ctr">
+            <a:solidFill>
+              <a:schemeClr val="tx1"/>
+            </a:solidFill>
+            <a:prstDash val="solid"/>
+            <a:round/>
+            <a:headEnd type="none" w="med" len="med"/>
+            <a:tailEnd type="triangle"/>
+          </a:ln>
+          <a:effectLst/>
+        </p:spPr>
+      </p:cxnSp>
+      <p:sp>
+        <p:nvSpPr>
+          <p:cNvPr id="54" name="Tekstvak 53"/>
+          <p:cNvSpPr txBox="1"/>
+          <p:nvPr/>
+        </p:nvSpPr>
+        <p:spPr>
+          <a:xfrm>
+            <a:off x="7857577" y="4359625"/>
+            <a:ext cx="1013637" cy="369332"/>
+          </a:xfrm>
+          <a:prstGeom prst="rect">
+            <a:avLst/>
+          </a:prstGeom>
+          <a:noFill/>
+        </p:spPr>
+        <p:txBody>
+          <a:bodyPr wrap="square" rtlCol="0">
+            <a:spAutoFit/>
+          </a:bodyPr>
+          <a:lstStyle/>
+          <a:p>
+            <a:r>
+              <a:rPr lang="nl-NL" sz="1800" dirty="0" smtClean="0"/>
+              <a:t>Buzzer</a:t>
+            </a:r>
+            <a:endParaRPr lang="nl-NL" sz="1800" dirty="0"/>
+          </a:p>
+        </p:txBody>
+      </p:sp>
+      <p:cxnSp>
+        <p:nvCxnSpPr>
+          <p:cNvPr id="56" name="Rechte verbindingslijn met pijl 55"/>
+          <p:cNvCxnSpPr>
+            <a:stCxn id="10" idx="3"/>
+          </p:cNvCxnSpPr>
+          <p:nvPr/>
+        </p:nvCxnSpPr>
+        <p:spPr bwMode="auto">
+          <a:xfrm flipV="1">
+            <a:off x="3016077" y="4087368"/>
+            <a:ext cx="184959" cy="5243"/>
+          </a:xfrm>
+          <a:prstGeom prst="straightConnector1">
+            <a:avLst/>
+          </a:prstGeom>
+          <a:solidFill>
+            <a:schemeClr val="accent1"/>
+          </a:solidFill>
+          <a:ln w="9525" cap="flat" cmpd="sng" algn="ctr">
+            <a:solidFill>
+              <a:schemeClr val="tx1"/>
+            </a:solidFill>
+            <a:prstDash val="solid"/>
+            <a:round/>
+            <a:headEnd type="none" w="med" len="med"/>
+            <a:tailEnd type="triangle"/>
+          </a:ln>
+          <a:effectLst/>
+        </p:spPr>
+      </p:cxnSp>
+      <p:cxnSp>
+        <p:nvCxnSpPr>
+          <p:cNvPr id="60" name="Rechte verbindingslijn met pijl 59"/>
+          <p:cNvCxnSpPr/>
+          <p:nvPr/>
+        </p:nvCxnSpPr>
+        <p:spPr bwMode="auto">
+          <a:xfrm flipV="1">
+            <a:off x="5080264" y="2780775"/>
+            <a:ext cx="184959" cy="5243"/>
+          </a:xfrm>
+          <a:prstGeom prst="straightConnector1">
+            <a:avLst/>
+          </a:prstGeom>
+          <a:solidFill>
+            <a:schemeClr val="accent1"/>
+          </a:solidFill>
+          <a:ln w="9525" cap="flat" cmpd="sng" algn="ctr">
+            <a:solidFill>
+              <a:schemeClr val="tx1"/>
+            </a:solidFill>
+            <a:prstDash val="solid"/>
+            <a:round/>
+            <a:headEnd type="none" w="med" len="med"/>
+            <a:tailEnd type="triangle"/>
+          </a:ln>
+          <a:effectLst/>
+        </p:spPr>
+      </p:cxnSp>
+      <p:cxnSp>
+        <p:nvCxnSpPr>
+          <p:cNvPr id="61" name="Rechte verbindingslijn met pijl 60"/>
+          <p:cNvCxnSpPr/>
+          <p:nvPr/>
+        </p:nvCxnSpPr>
+        <p:spPr bwMode="auto">
+          <a:xfrm flipV="1">
+            <a:off x="5084862" y="3469360"/>
+            <a:ext cx="184959" cy="5243"/>
+          </a:xfrm>
+          <a:prstGeom prst="straightConnector1">
+            <a:avLst/>
+          </a:prstGeom>
+          <a:solidFill>
+            <a:schemeClr val="accent1"/>
+          </a:solidFill>
+          <a:ln w="9525" cap="flat" cmpd="sng" algn="ctr">
+            <a:solidFill>
+              <a:schemeClr val="tx1"/>
+            </a:solidFill>
+            <a:prstDash val="solid"/>
+            <a:round/>
+            <a:headEnd type="none" w="med" len="med"/>
+            <a:tailEnd type="triangle"/>
+          </a:ln>
+          <a:effectLst/>
+        </p:spPr>
+      </p:cxnSp>
     </p:spTree>
     <p:extLst>
       <p:ext uri="{BB962C8B-B14F-4D97-AF65-F5344CB8AC3E}">
-        <p14:creationId xmlns:p14="http://schemas.microsoft.com/office/powerpoint/2010/main" val="591003324"/>
+        <p14:creationId xmlns:p14="http://schemas.microsoft.com/office/powerpoint/2010/main" val="252424324"/>
       </p:ext>
     </p:extLst>
   </p:cSld>
   <p:clrMapOvr>
     <a:masterClrMapping/>
   </p:clrMapOvr>
+  <p:timing>
+    <p:tnLst>
+      <p:par>
+        <p:cTn id="1" dur="indefinite" restart="never" nodeType="tmRoot"/>
+      </p:par>
+    </p:tnLst>
+  </p:timing>
 </p:sld>
 </file>
 
@@ -6773,7 +7957,7 @@
                 <a:latin typeface="+mn-lt"/>
                 <a:ea typeface="ＭＳ Ｐゴシック" pitchFamily="34" charset="-128"/>
               </a:rPr>
-              <a:t>Randvoorwaarden</a:t>
+              <a:t>Projectactiviteiten</a:t>
             </a:r>
             <a:endParaRPr lang="nl-NL" altLang="nl-NL" dirty="0" smtClean="0">
               <a:latin typeface="+mn-lt"/>
@@ -6798,16 +7982,57 @@
           <a:lstStyle/>
           <a:p>
             <a:r>
+              <a:rPr lang="en-GB" altLang="nl-NL" dirty="0" err="1" smtClean="0">
+                <a:ea typeface="ＭＳ Ｐゴシック" pitchFamily="34" charset="-128"/>
+              </a:rPr>
+              <a:t>Onderdelen</a:t>
+            </a:r>
+            <a:endParaRPr lang="nl-NL" altLang="nl-NL" dirty="0">
+              <a:ea typeface="ＭＳ Ｐゴシック" pitchFamily="34" charset="-128"/>
+            </a:endParaRPr>
+          </a:p>
+          <a:p>
+            <a:pPr lvl="1"/>
+            <a:r>
               <a:rPr lang="en-GB" altLang="nl-NL" dirty="0" smtClean="0">
                 <a:ea typeface="ＭＳ Ｐゴシック" pitchFamily="34" charset="-128"/>
               </a:rPr>
-              <a:t>8 </a:t>
-            </a:r>
+              <a:t>DCF</a:t>
+            </a:r>
+          </a:p>
+          <a:p>
+            <a:pPr lvl="1"/>
+            <a:r>
+              <a:rPr lang="en-GB" altLang="nl-NL" dirty="0" smtClean="0">
+                <a:ea typeface="ＭＳ Ｐゴシック" pitchFamily="34" charset="-128"/>
+              </a:rPr>
+              <a:t>Controller</a:t>
+            </a:r>
+          </a:p>
+          <a:p>
+            <a:pPr lvl="1"/>
+            <a:r>
+              <a:rPr lang="en-GB" altLang="nl-NL" dirty="0" smtClean="0">
+                <a:ea typeface="ＭＳ Ｐゴシック" pitchFamily="34" charset="-128"/>
+              </a:rPr>
+              <a:t>Alarm</a:t>
+            </a:r>
+          </a:p>
+          <a:p>
+            <a:pPr lvl="1"/>
+            <a:r>
+              <a:rPr lang="en-GB" altLang="nl-NL" dirty="0" smtClean="0">
+                <a:ea typeface="ＭＳ Ｐゴシック" pitchFamily="34" charset="-128"/>
+              </a:rPr>
+              <a:t>LCD</a:t>
+            </a:r>
+          </a:p>
+          <a:p>
             <a:r>
               <a:rPr lang="en-GB" altLang="nl-NL" dirty="0" err="1" smtClean="0">
                 <a:ea typeface="ＭＳ Ｐゴシック" pitchFamily="34" charset="-128"/>
               </a:rPr>
-              <a:t>personen</a:t>
+              <a:t>Ontwerpen</a:t>
             </a:r>
             <a:endParaRPr lang="en-GB" altLang="nl-NL" dirty="0" smtClean="0">
               <a:ea typeface="ＭＳ Ｐゴシック" pitchFamily="34" charset="-128"/>
@@ -6815,109 +8040,12 @@
           </a:p>
           <a:p>
             <a:r>
-              <a:rPr lang="en-GB" altLang="nl-NL" dirty="0" smtClean="0">
-                <a:ea typeface="ＭＳ Ｐゴシック" pitchFamily="34" charset="-128"/>
-              </a:rPr>
-              <a:t>Tot ?? </a:t>
-            </a:r>
-            <a:r>
               <a:rPr lang="en-GB" altLang="nl-NL" dirty="0" err="1" smtClean="0">
                 <a:ea typeface="ＭＳ Ｐゴシック" pitchFamily="34" charset="-128"/>
               </a:rPr>
-              <a:t>januari</a:t>
-            </a:r>
-            <a:endParaRPr lang="en-GB" altLang="nl-NL" dirty="0" smtClean="0">
-              <a:ea typeface="ＭＳ Ｐゴシック" pitchFamily="34" charset="-128"/>
-            </a:endParaRPr>
-          </a:p>
-          <a:p>
-            <a:r>
-              <a:rPr lang="en-GB" altLang="nl-NL" dirty="0" smtClean="0">
-                <a:ea typeface="ＭＳ Ｐゴシック" pitchFamily="34" charset="-128"/>
-              </a:rPr>
-              <a:t>Chip:</a:t>
-            </a:r>
-          </a:p>
-          <a:p>
-            <a:pPr lvl="1"/>
-            <a:r>
-              <a:rPr lang="en-GB" altLang="nl-NL" dirty="0" smtClean="0">
-                <a:ea typeface="ＭＳ Ｐゴシック" pitchFamily="34" charset="-128"/>
-              </a:rPr>
-              <a:t>???</a:t>
-            </a:r>
-            <a:r>
-              <a:rPr lang="en-GB" altLang="nl-NL" dirty="0" smtClean="0">
-                <a:ea typeface="ＭＳ Ｐゴシック" pitchFamily="34" charset="-128"/>
-              </a:rPr>
-              <a:t> Nm</a:t>
-            </a:r>
-            <a:r>
-              <a:rPr lang="en-GB" altLang="nl-NL" baseline="30000" dirty="0" smtClean="0">
-                <a:ea typeface="ＭＳ Ｐゴシック" pitchFamily="34" charset="-128"/>
-              </a:rPr>
-              <a:t>2</a:t>
-            </a:r>
-            <a:r>
-              <a:rPr lang="en-GB" altLang="nl-NL" dirty="0" smtClean="0">
-                <a:ea typeface="ＭＳ Ｐゴシック" pitchFamily="34" charset="-128"/>
-              </a:rPr>
-              <a:t> </a:t>
-            </a:r>
-            <a:r>
-              <a:rPr lang="en-GB" altLang="nl-NL" dirty="0" err="1" smtClean="0">
-                <a:ea typeface="ＭＳ Ｐゴシック" pitchFamily="34" charset="-128"/>
-              </a:rPr>
-              <a:t>oppervlak</a:t>
-            </a:r>
-            <a:endParaRPr lang="en-GB" altLang="nl-NL" dirty="0" smtClean="0">
-              <a:ea typeface="ＭＳ Ｐゴシック" pitchFamily="34" charset="-128"/>
-            </a:endParaRPr>
-          </a:p>
-          <a:p>
-            <a:pPr lvl="1"/>
-            <a:r>
-              <a:rPr lang="en-GB" altLang="nl-NL" dirty="0" smtClean="0">
-                <a:ea typeface="ＭＳ Ｐゴシック" pitchFamily="34" charset="-128"/>
-              </a:rPr>
-              <a:t>32</a:t>
-            </a:r>
-            <a:r>
-              <a:rPr lang="en-GB" altLang="nl-NL" dirty="0" smtClean="0">
-                <a:ea typeface="ＭＳ Ｐゴシック" pitchFamily="34" charset="-128"/>
-              </a:rPr>
-              <a:t> </a:t>
-            </a:r>
-            <a:r>
-              <a:rPr lang="en-GB" altLang="nl-NL" dirty="0" err="1" smtClean="0">
-                <a:ea typeface="ＭＳ Ｐゴシック" pitchFamily="34" charset="-128"/>
-              </a:rPr>
-              <a:t>aantal</a:t>
-            </a:r>
-            <a:r>
-              <a:rPr lang="en-GB" altLang="nl-NL" dirty="0" smtClean="0">
-                <a:ea typeface="ＭＳ Ｐゴシック" pitchFamily="34" charset="-128"/>
-              </a:rPr>
-              <a:t> i/o </a:t>
-            </a:r>
-            <a:r>
-              <a:rPr lang="en-GB" altLang="nl-NL" dirty="0" err="1" smtClean="0">
-                <a:ea typeface="ＭＳ Ｐゴシック" pitchFamily="34" charset="-128"/>
-              </a:rPr>
-              <a:t>aansluitingen</a:t>
-            </a:r>
-            <a:endParaRPr lang="en-GB" altLang="nl-NL" dirty="0" smtClean="0">
-              <a:ea typeface="ＭＳ Ｐゴシック" pitchFamily="34" charset="-128"/>
-            </a:endParaRPr>
-          </a:p>
-          <a:p>
-            <a:pPr lvl="1"/>
+              <a:t>Testen</a:t>
+            </a:r>
             <a:endParaRPr lang="en-GB" altLang="nl-NL" dirty="0">
-              <a:ea typeface="ＭＳ Ｐゴシック" pitchFamily="34" charset="-128"/>
-            </a:endParaRPr>
-          </a:p>
-          <a:p>
-            <a:endParaRPr lang="en-GB" altLang="nl-NL" dirty="0" smtClean="0">
               <a:ea typeface="ＭＳ Ｐゴシック" pitchFamily="34" charset="-128"/>
             </a:endParaRPr>
           </a:p>
@@ -7089,13 +8217,20 @@
     </p:spTree>
     <p:extLst>
       <p:ext uri="{BB962C8B-B14F-4D97-AF65-F5344CB8AC3E}">
-        <p14:creationId xmlns:p14="http://schemas.microsoft.com/office/powerpoint/2010/main" val="3923016601"/>
+        <p14:creationId xmlns:p14="http://schemas.microsoft.com/office/powerpoint/2010/main" val="591003324"/>
       </p:ext>
     </p:extLst>
   </p:cSld>
   <p:clrMapOvr>
     <a:masterClrMapping/>
   </p:clrMapOvr>
+  <p:timing>
+    <p:tnLst>
+      <p:par>
+        <p:cTn id="1" dur="indefinite" restart="never" nodeType="tmRoot"/>
+      </p:par>
+    </p:tnLst>
+  </p:timing>
 </p:sld>
 </file>
 
@@ -7144,7 +8279,7 @@
                 <a:latin typeface="+mn-lt"/>
                 <a:ea typeface="ＭＳ Ｐゴシック" pitchFamily="34" charset="-128"/>
               </a:rPr>
-              <a:t>Producten</a:t>
+              <a:t>Randvoorwaarden</a:t>
             </a:r>
             <a:endParaRPr lang="nl-NL" altLang="nl-NL" dirty="0" smtClean="0">
               <a:latin typeface="+mn-lt"/>
@@ -7172,20 +8307,84 @@
               <a:rPr lang="en-GB" altLang="nl-NL" dirty="0" smtClean="0">
                 <a:ea typeface="ＭＳ Ｐゴシック" pitchFamily="34" charset="-128"/>
               </a:rPr>
-              <a:t>WAKE-UP LIGHT/NAAMPIE</a:t>
-            </a:r>
-            <a:endParaRPr lang="nl-NL" altLang="nl-NL" dirty="0" smtClean="0">
+              <a:t>8 </a:t>
+            </a:r>
+            <a:r>
+              <a:rPr lang="en-GB" altLang="nl-NL" dirty="0" err="1" smtClean="0">
+                <a:ea typeface="ＭＳ Ｐゴシック" pitchFamily="34" charset="-128"/>
+              </a:rPr>
+              <a:t>personen</a:t>
+            </a:r>
+            <a:endParaRPr lang="en-GB" altLang="nl-NL" dirty="0" smtClean="0">
               <a:ea typeface="ＭＳ Ｐゴシック" pitchFamily="34" charset="-128"/>
             </a:endParaRPr>
           </a:p>
           <a:p>
+            <a:r>
+              <a:rPr lang="en-GB" altLang="nl-NL" dirty="0" smtClean="0">
+                <a:ea typeface="ＭＳ Ｐゴシック" pitchFamily="34" charset="-128"/>
+              </a:rPr>
+              <a:t>Tot </a:t>
+            </a:r>
+            <a:r>
+              <a:rPr lang="en-GB" altLang="nl-NL" dirty="0" smtClean="0">
+                <a:ea typeface="ＭＳ Ｐゴシック" pitchFamily="34" charset="-128"/>
+              </a:rPr>
+              <a:t>12</a:t>
+            </a:r>
+            <a:r>
+              <a:rPr lang="en-GB" altLang="nl-NL" dirty="0" smtClean="0">
+                <a:ea typeface="ＭＳ Ｐゴシック" pitchFamily="34" charset="-128"/>
+              </a:rPr>
+              <a:t> </a:t>
+            </a:r>
+            <a:r>
+              <a:rPr lang="en-GB" altLang="nl-NL" dirty="0" err="1" smtClean="0">
+                <a:ea typeface="ＭＳ Ｐゴシック" pitchFamily="34" charset="-128"/>
+              </a:rPr>
+              <a:t>januari</a:t>
+            </a:r>
+            <a:endParaRPr lang="en-GB" altLang="nl-NL" dirty="0" smtClean="0">
+              <a:ea typeface="ＭＳ Ｐゴシック" pitchFamily="34" charset="-128"/>
+            </a:endParaRPr>
+          </a:p>
+          <a:p>
+            <a:r>
+              <a:rPr lang="en-GB" altLang="nl-NL" dirty="0" smtClean="0">
+                <a:ea typeface="ＭＳ Ｐゴシック" pitchFamily="34" charset="-128"/>
+              </a:rPr>
+              <a:t>Chip:</a:t>
+            </a:r>
+          </a:p>
+          <a:p>
             <a:pPr lvl="1"/>
             <a:r>
               <a:rPr lang="en-GB" altLang="nl-NL" dirty="0" smtClean="0">
                 <a:ea typeface="ＭＳ Ｐゴシック" pitchFamily="34" charset="-128"/>
               </a:rPr>
-              <a:t>DCF</a:t>
-            </a:r>
+              <a:t>??? Nm</a:t>
+            </a:r>
+            <a:r>
+              <a:rPr lang="en-GB" altLang="nl-NL" baseline="30000" dirty="0" smtClean="0">
+                <a:ea typeface="ＭＳ Ｐゴシック" pitchFamily="34" charset="-128"/>
+              </a:rPr>
+              <a:t>2</a:t>
+            </a:r>
+            <a:r>
+              <a:rPr lang="en-GB" altLang="nl-NL" dirty="0" smtClean="0">
+                <a:ea typeface="ＭＳ Ｐゴシック" pitchFamily="34" charset="-128"/>
+              </a:rPr>
+              <a:t> </a:t>
+            </a:r>
+            <a:r>
+              <a:rPr lang="en-GB" altLang="nl-NL" dirty="0" err="1" smtClean="0">
+                <a:ea typeface="ＭＳ Ｐゴシック" pitchFamily="34" charset="-128"/>
+              </a:rPr>
+              <a:t>oppervlak</a:t>
+            </a:r>
+            <a:endParaRPr lang="en-GB" altLang="nl-NL" dirty="0" smtClean="0">
+              <a:ea typeface="ＭＳ Ｐゴシック" pitchFamily="34" charset="-128"/>
+            </a:endParaRPr>
           </a:p>
           <a:p>
             <a:pPr lvl="1"/>
@@ -7193,29 +8392,56 @@
               <a:rPr lang="en-GB" altLang="nl-NL" dirty="0" smtClean="0">
                 <a:ea typeface="ＭＳ Ｐゴシック" pitchFamily="34" charset="-128"/>
               </a:rPr>
-              <a:t>Controller</a:t>
-            </a:r>
+              <a:t>32 </a:t>
+            </a:r>
+            <a:r>
+              <a:rPr lang="en-GB" altLang="nl-NL" dirty="0" err="1" smtClean="0">
+                <a:ea typeface="ＭＳ Ｐゴシック" pitchFamily="34" charset="-128"/>
+              </a:rPr>
+              <a:t>aantal</a:t>
+            </a:r>
+            <a:r>
+              <a:rPr lang="en-GB" altLang="nl-NL" dirty="0" smtClean="0">
+                <a:ea typeface="ＭＳ Ｐゴシック" pitchFamily="34" charset="-128"/>
+              </a:rPr>
+              <a:t> i/o </a:t>
+            </a:r>
+            <a:r>
+              <a:rPr lang="en-GB" altLang="nl-NL" dirty="0" err="1" smtClean="0">
+                <a:ea typeface="ＭＳ Ｐゴシック" pitchFamily="34" charset="-128"/>
+              </a:rPr>
+              <a:t>aansluitingen</a:t>
+            </a:r>
+            <a:endParaRPr lang="en-GB" altLang="nl-NL" dirty="0" smtClean="0">
+              <a:ea typeface="ＭＳ Ｐゴシック" pitchFamily="34" charset="-128"/>
+            </a:endParaRPr>
+          </a:p>
+          <a:p>
+            <a:pPr lvl="2"/>
+            <a:r>
+              <a:rPr lang="en-GB" altLang="nl-NL" dirty="0" err="1" smtClean="0">
+                <a:ea typeface="ＭＳ Ｐゴシック" pitchFamily="34" charset="-128"/>
+              </a:rPr>
+              <a:t>Waarvan</a:t>
+            </a:r>
+            <a:r>
+              <a:rPr lang="en-GB" altLang="nl-NL" smtClean="0">
+                <a:ea typeface="ＭＳ Ｐゴシック" pitchFamily="34" charset="-128"/>
+              </a:rPr>
+              <a:t> </a:t>
+            </a:r>
+            <a:endParaRPr lang="en-GB" altLang="nl-NL" dirty="0" smtClean="0">
+              <a:ea typeface="ＭＳ Ｐゴシック" pitchFamily="34" charset="-128"/>
+            </a:endParaRPr>
           </a:p>
           <a:p>
             <a:pPr lvl="1"/>
-            <a:r>
-              <a:rPr lang="en-GB" altLang="nl-NL" dirty="0" smtClean="0">
-                <a:ea typeface="ＭＳ Ｐゴシック" pitchFamily="34" charset="-128"/>
-              </a:rPr>
-              <a:t>Alarm</a:t>
-            </a:r>
-          </a:p>
-          <a:p>
-            <a:pPr lvl="1"/>
-            <a:r>
-              <a:rPr lang="en-GB" altLang="nl-NL" dirty="0" smtClean="0">
-                <a:ea typeface="ＭＳ Ｐゴシック" pitchFamily="34" charset="-128"/>
-              </a:rPr>
-              <a:t>LCD</a:t>
-            </a:r>
-          </a:p>
-          <a:p>
-            <a:endParaRPr lang="nl-NL" altLang="nl-NL" dirty="0" smtClean="0">
+            <a:endParaRPr lang="en-GB" altLang="nl-NL" dirty="0">
+              <a:ea typeface="ＭＳ Ｐゴシック" pitchFamily="34" charset="-128"/>
+            </a:endParaRPr>
+          </a:p>
+          <a:p>
+            <a:endParaRPr lang="en-GB" altLang="nl-NL" dirty="0" smtClean="0">
               <a:ea typeface="ＭＳ Ｐゴシック" pitchFamily="34" charset="-128"/>
             </a:endParaRPr>
           </a:p>
@@ -7387,13 +8613,20 @@
     </p:spTree>
     <p:extLst>
       <p:ext uri="{BB962C8B-B14F-4D97-AF65-F5344CB8AC3E}">
-        <p14:creationId xmlns:p14="http://schemas.microsoft.com/office/powerpoint/2010/main" val="1091656238"/>
+        <p14:creationId xmlns:p14="http://schemas.microsoft.com/office/powerpoint/2010/main" val="3923016601"/>
       </p:ext>
     </p:extLst>
   </p:cSld>
   <p:clrMapOvr>
     <a:masterClrMapping/>
   </p:clrMapOvr>
+  <p:timing>
+    <p:tnLst>
+      <p:par>
+        <p:cTn id="1" dur="indefinite" restart="never" nodeType="tmRoot"/>
+      </p:par>
+    </p:tnLst>
+  </p:timing>
 </p:sld>
 </file>
 
@@ -7442,7 +8675,7 @@
                 <a:latin typeface="+mn-lt"/>
                 <a:ea typeface="ＭＳ Ｐゴシック" pitchFamily="34" charset="-128"/>
               </a:rPr>
-              <a:t>Kwaliteit</a:t>
+              <a:t>Producten</a:t>
             </a:r>
             <a:endParaRPr lang="nl-NL" altLang="nl-NL" dirty="0" smtClean="0">
               <a:latin typeface="+mn-lt"/>
@@ -7467,36 +8700,50 @@
           <a:lstStyle/>
           <a:p>
             <a:r>
-              <a:rPr lang="en-GB" altLang="nl-NL" dirty="0" err="1" smtClean="0">
-                <a:ea typeface="ＭＳ Ｐゴシック" pitchFamily="34" charset="-128"/>
-              </a:rPr>
-              <a:t>Regelmatige</a:t>
-            </a:r>
-            <a:r>
               <a:rPr lang="en-GB" altLang="nl-NL" dirty="0" smtClean="0">
                 <a:ea typeface="ＭＳ Ｐゴシック" pitchFamily="34" charset="-128"/>
               </a:rPr>
-              <a:t> </a:t>
-            </a:r>
-            <a:r>
-              <a:rPr lang="en-GB" altLang="nl-NL" dirty="0" err="1" smtClean="0">
-                <a:ea typeface="ＭＳ Ｐゴシック" pitchFamily="34" charset="-128"/>
-              </a:rPr>
-              <a:t>controle</a:t>
-            </a:r>
-            <a:endParaRPr lang="en-GB" altLang="nl-NL" dirty="0">
+              <a:t>WAKE-UP LIGHT/NAAMPIE</a:t>
+            </a:r>
+            <a:endParaRPr lang="nl-NL" altLang="nl-NL" dirty="0" smtClean="0">
               <a:ea typeface="ＭＳ Ｐゴシック" pitchFamily="34" charset="-128"/>
             </a:endParaRPr>
           </a:p>
           <a:p>
-            <a:endParaRPr lang="en-GB" altLang="nl-NL" dirty="0" smtClean="0">
-              <a:ea typeface="ＭＳ Ｐゴシック" pitchFamily="34" charset="-128"/>
-            </a:endParaRPr>
-          </a:p>
-          <a:p>
-            <a:endParaRPr lang="en-GB" altLang="nl-NL" dirty="0" smtClean="0">
-              <a:ea typeface="ＭＳ Ｐゴシック" pitchFamily="34" charset="-128"/>
-            </a:endParaRPr>
+            <a:pPr lvl="1"/>
+            <a:r>
+              <a:rPr lang="en-GB" altLang="nl-NL" dirty="0" smtClean="0">
+                <a:ea typeface="ＭＳ Ｐゴシック" pitchFamily="34" charset="-128"/>
+              </a:rPr>
+              <a:t>DCF</a:t>
+            </a:r>
+          </a:p>
+          <a:p>
+            <a:pPr lvl="1"/>
+            <a:r>
+              <a:rPr lang="en-GB" altLang="nl-NL" dirty="0" smtClean="0">
+                <a:ea typeface="ＭＳ Ｐゴシック" pitchFamily="34" charset="-128"/>
+              </a:rPr>
+              <a:t>Controller</a:t>
+            </a:r>
+          </a:p>
+          <a:p>
+            <a:pPr lvl="1"/>
+            <a:r>
+              <a:rPr lang="en-GB" altLang="nl-NL" dirty="0" smtClean="0">
+                <a:ea typeface="ＭＳ Ｐゴシック" pitchFamily="34" charset="-128"/>
+              </a:rPr>
+              <a:t>Alarm</a:t>
+            </a:r>
+          </a:p>
+          <a:p>
+            <a:pPr lvl="1"/>
+            <a:r>
+              <a:rPr lang="en-GB" altLang="nl-NL" dirty="0" smtClean="0">
+                <a:ea typeface="ＭＳ Ｐゴシック" pitchFamily="34" charset="-128"/>
+              </a:rPr>
+              <a:t>LCD</a:t>
+            </a:r>
           </a:p>
           <a:p>
             <a:endParaRPr lang="nl-NL" altLang="nl-NL" dirty="0" smtClean="0">
@@ -7671,13 +8918,20 @@
     </p:spTree>
     <p:extLst>
       <p:ext uri="{BB962C8B-B14F-4D97-AF65-F5344CB8AC3E}">
-        <p14:creationId xmlns:p14="http://schemas.microsoft.com/office/powerpoint/2010/main" val="3324732474"/>
+        <p14:creationId xmlns:p14="http://schemas.microsoft.com/office/powerpoint/2010/main" val="1091656238"/>
       </p:ext>
     </p:extLst>
   </p:cSld>
   <p:clrMapOvr>
     <a:masterClrMapping/>
   </p:clrMapOvr>
+  <p:timing>
+    <p:tnLst>
+      <p:par>
+        <p:cTn id="1" dur="indefinite" restart="never" nodeType="tmRoot"/>
+      </p:par>
+    </p:tnLst>
+  </p:timing>
 </p:sld>
 </file>
 
@@ -7726,7 +8980,7 @@
                 <a:latin typeface="+mn-lt"/>
                 <a:ea typeface="ＭＳ Ｐゴシック" pitchFamily="34" charset="-128"/>
               </a:rPr>
-              <a:t>Projectorganisatie</a:t>
+              <a:t>Kwaliteit</a:t>
             </a:r>
             <a:endParaRPr lang="nl-NL" altLang="nl-NL" dirty="0" smtClean="0">
               <a:latin typeface="+mn-lt"/>
@@ -7751,16 +9005,22 @@
           <a:lstStyle/>
           <a:p>
             <a:r>
+              <a:rPr lang="en-GB" altLang="nl-NL" dirty="0" err="1" smtClean="0">
+                <a:ea typeface="ＭＳ Ｐゴシック" pitchFamily="34" charset="-128"/>
+              </a:rPr>
+              <a:t>Regelmatige</a:t>
+            </a:r>
+            <a:r>
               <a:rPr lang="en-GB" altLang="nl-NL" dirty="0" smtClean="0">
                 <a:ea typeface="ＭＳ Ｐゴシック" pitchFamily="34" charset="-128"/>
               </a:rPr>
-              <a:t>8 </a:t>
+              <a:t> </a:t>
             </a:r>
             <a:r>
               <a:rPr lang="en-GB" altLang="nl-NL" dirty="0" err="1" smtClean="0">
                 <a:ea typeface="ＭＳ Ｐゴシック" pitchFamily="34" charset="-128"/>
               </a:rPr>
-              <a:t>projectleden</a:t>
+              <a:t>controle</a:t>
             </a:r>
             <a:endParaRPr lang="en-GB" altLang="nl-NL" dirty="0" smtClean="0">
               <a:ea typeface="ＭＳ Ｐゴシック" pitchFamily="34" charset="-128"/>
@@ -7776,41 +9036,23 @@
               <a:rPr lang="en-GB" altLang="nl-NL" dirty="0" err="1" smtClean="0">
                 <a:ea typeface="ＭＳ Ｐゴシック" pitchFamily="34" charset="-128"/>
               </a:rPr>
-              <a:t>Coördinatie</a:t>
-            </a:r>
+              <a:t>Debugsignalen</a:t>
+            </a:r>
+            <a:endParaRPr lang="en-GB" altLang="nl-NL" dirty="0">
+              <a:ea typeface="ＭＳ Ｐゴシック" pitchFamily="34" charset="-128"/>
+            </a:endParaRPr>
+          </a:p>
+          <a:p>
             <a:endParaRPr lang="en-GB" altLang="nl-NL" dirty="0" smtClean="0">
               <a:ea typeface="ＭＳ Ｐゴシック" pitchFamily="34" charset="-128"/>
             </a:endParaRPr>
           </a:p>
           <a:p>
-            <a:pPr lvl="1"/>
-            <a:r>
-              <a:rPr lang="en-GB" altLang="nl-NL" dirty="0" err="1" smtClean="0">
-                <a:ea typeface="ＭＳ Ｐゴシック" pitchFamily="34" charset="-128"/>
-              </a:rPr>
-              <a:t>Vergaderen</a:t>
-            </a:r>
             <a:endParaRPr lang="en-GB" altLang="nl-NL" dirty="0" smtClean="0">
               <a:ea typeface="ＭＳ Ｐゴシック" pitchFamily="34" charset="-128"/>
             </a:endParaRPr>
           </a:p>
           <a:p>
-            <a:pPr lvl="1"/>
-            <a:r>
-              <a:rPr lang="en-GB" altLang="nl-NL" dirty="0" err="1" smtClean="0">
-                <a:ea typeface="ＭＳ Ｐゴシック" pitchFamily="34" charset="-128"/>
-              </a:rPr>
-              <a:t>Verslaglegging</a:t>
-            </a:r>
-            <a:r>
-              <a:rPr lang="en-GB" altLang="nl-NL" dirty="0" smtClean="0">
-                <a:ea typeface="ＭＳ Ｐゴシック" pitchFamily="34" charset="-128"/>
-              </a:rPr>
-              <a:t> </a:t>
-            </a:r>
-          </a:p>
-          <a:p>
-            <a:pPr lvl="1"/>
             <a:endParaRPr lang="nl-NL" altLang="nl-NL" dirty="0" smtClean="0">
               <a:ea typeface="ＭＳ Ｐゴシック" pitchFamily="34" charset="-128"/>
             </a:endParaRPr>
@@ -7983,13 +9225,20 @@
     </p:spTree>
     <p:extLst>
       <p:ext uri="{BB962C8B-B14F-4D97-AF65-F5344CB8AC3E}">
-        <p14:creationId xmlns:p14="http://schemas.microsoft.com/office/powerpoint/2010/main" val="2090736849"/>
+        <p14:creationId xmlns:p14="http://schemas.microsoft.com/office/powerpoint/2010/main" val="3324732474"/>
       </p:ext>
     </p:extLst>
   </p:cSld>
   <p:clrMapOvr>
     <a:masterClrMapping/>
   </p:clrMapOvr>
+  <p:timing>
+    <p:tnLst>
+      <p:par>
+        <p:cTn id="1" dur="indefinite" restart="never" nodeType="tmRoot"/>
+      </p:par>
+    </p:tnLst>
+  </p:timing>
 </p:sld>
 </file>
 
@@ -8034,11 +9283,11 @@
               <a:defRPr/>
             </a:pPr>
             <a:r>
-              <a:rPr lang="en-GB" altLang="nl-NL" dirty="0" smtClean="0">
+              <a:rPr lang="en-GB" altLang="nl-NL" dirty="0" err="1" smtClean="0">
                 <a:latin typeface="+mn-lt"/>
                 <a:ea typeface="ＭＳ Ｐゴシック" pitchFamily="34" charset="-128"/>
               </a:rPr>
-              <a:t>Planning</a:t>
+              <a:t>Projectorganisatie</a:t>
             </a:r>
             <a:endParaRPr lang="nl-NL" altLang="nl-NL" dirty="0" smtClean="0">
               <a:latin typeface="+mn-lt"/>
@@ -8062,7 +9311,74 @@
           <a:bodyPr/>
           <a:lstStyle/>
           <a:p>
-            <a:endParaRPr lang="nl-NL" altLang="nl-NL" smtClean="0">
+            <a:r>
+              <a:rPr lang="en-GB" altLang="nl-NL" dirty="0" smtClean="0">
+                <a:ea typeface="ＭＳ Ｐゴシック" pitchFamily="34" charset="-128"/>
+              </a:rPr>
+              <a:t>8 </a:t>
+            </a:r>
+            <a:r>
+              <a:rPr lang="en-GB" altLang="nl-NL" dirty="0" err="1" smtClean="0">
+                <a:ea typeface="ＭＳ Ｐゴシック" pitchFamily="34" charset="-128"/>
+              </a:rPr>
+              <a:t>projectleden</a:t>
+            </a:r>
+            <a:endParaRPr lang="en-GB" altLang="nl-NL" dirty="0">
+              <a:ea typeface="ＭＳ Ｐゴシック" pitchFamily="34" charset="-128"/>
+            </a:endParaRPr>
+          </a:p>
+          <a:p>
+            <a:endParaRPr lang="en-GB" altLang="nl-NL" dirty="0" smtClean="0">
+              <a:ea typeface="ＭＳ Ｐゴシック" pitchFamily="34" charset="-128"/>
+            </a:endParaRPr>
+          </a:p>
+          <a:p>
+            <a:r>
+              <a:rPr lang="nl-NL" altLang="nl-NL" dirty="0" smtClean="0">
+                <a:ea typeface="ＭＳ Ｐゴシック" pitchFamily="34" charset="-128"/>
+              </a:rPr>
+              <a:t>Vergaderingen</a:t>
+            </a:r>
+          </a:p>
+          <a:p>
+            <a:pPr lvl="1"/>
+            <a:r>
+              <a:rPr lang="nl-NL" altLang="nl-NL" dirty="0" smtClean="0">
+                <a:ea typeface="ＭＳ Ｐゴシック" pitchFamily="34" charset="-128"/>
+              </a:rPr>
+              <a:t>2x per projectochtend</a:t>
+            </a:r>
+            <a:endParaRPr lang="nl-NL" altLang="nl-NL" dirty="0" smtClean="0">
+              <a:ea typeface="ＭＳ Ｐゴシック" pitchFamily="34" charset="-128"/>
+            </a:endParaRPr>
+          </a:p>
+          <a:p>
+            <a:pPr lvl="1"/>
+            <a:r>
+              <a:rPr lang="nl-NL" altLang="nl-NL" dirty="0" smtClean="0">
+                <a:ea typeface="ＭＳ Ｐゴシック" pitchFamily="34" charset="-128"/>
+              </a:rPr>
+              <a:t>Vaste voorzitter</a:t>
+            </a:r>
+          </a:p>
+          <a:p>
+            <a:pPr lvl="1"/>
+            <a:r>
+              <a:rPr lang="nl-NL" altLang="nl-NL" dirty="0" smtClean="0">
+                <a:ea typeface="ＭＳ Ｐゴシック" pitchFamily="34" charset="-128"/>
+              </a:rPr>
+              <a:t>Vaste notulist</a:t>
+            </a:r>
+          </a:p>
+          <a:p>
+            <a:pPr marL="347663" indent="-342900"/>
+            <a:r>
+              <a:rPr lang="nl-NL" altLang="nl-NL" dirty="0" smtClean="0">
+                <a:ea typeface="ＭＳ Ｐゴシック" pitchFamily="34" charset="-128"/>
+              </a:rPr>
+              <a:t>Verslaglegging</a:t>
+            </a:r>
+            <a:endParaRPr lang="nl-NL" altLang="nl-NL" dirty="0">
               <a:ea typeface="ＭＳ Ｐゴシック" pitchFamily="34" charset="-128"/>
             </a:endParaRPr>
           </a:p>
@@ -8234,13 +9550,20 @@
     </p:spTree>
     <p:extLst>
       <p:ext uri="{BB962C8B-B14F-4D97-AF65-F5344CB8AC3E}">
-        <p14:creationId xmlns:p14="http://schemas.microsoft.com/office/powerpoint/2010/main" val="932895793"/>
+        <p14:creationId xmlns:p14="http://schemas.microsoft.com/office/powerpoint/2010/main" val="2090736849"/>
       </p:ext>
     </p:extLst>
   </p:cSld>
   <p:clrMapOvr>
     <a:masterClrMapping/>
   </p:clrMapOvr>
+  <p:timing>
+    <p:tnLst>
+      <p:par>
+        <p:cTn id="1" dur="indefinite" restart="never" nodeType="tmRoot"/>
+      </p:par>
+    </p:tnLst>
+  </p:timing>
 </p:sld>
 </file>
 
